--- a/slides.pptx
+++ b/slides.pptx
@@ -8,6 +8,7 @@
     <p:sldId id="258" r:id="rId2"/>
     <p:sldId id="256" r:id="rId3"/>
     <p:sldId id="257" r:id="rId4"/>
+    <p:sldId id="259" r:id="rId5"/>
   </p:sldIdLst>
   <p:sldSz cx="12192000" cy="6858000"/>
   <p:notesSz cx="6858000" cy="9144000"/>
@@ -3829,7 +3830,7 @@
         </p:blipFill>
         <p:spPr>
           <a:xfrm>
-            <a:off x="7582668" y="3429000"/>
+            <a:off x="7558537" y="3537596"/>
             <a:ext cx="3328335" cy="1997001"/>
           </a:xfrm>
           <a:prstGeom prst="rect">
@@ -3937,7 +3938,7 @@
         </p:blipFill>
         <p:spPr>
           <a:xfrm flipH="1">
-            <a:off x="2078477" y="3887613"/>
+            <a:off x="2078476" y="3857724"/>
             <a:ext cx="1361873" cy="1361873"/>
           </a:xfrm>
           <a:prstGeom prst="rect">
@@ -4045,7 +4046,7 @@
         </p:blipFill>
         <p:spPr>
           <a:xfrm>
-            <a:off x="9768930" y="93343"/>
+            <a:off x="9768930" y="74781"/>
             <a:ext cx="1402282" cy="3000276"/>
           </a:xfrm>
           <a:prstGeom prst="rect">
@@ -4100,13 +4101,22 @@
               </a:rPr>
             </a:br>
             <a:r>
+              <a:rPr lang="de-DE" sz="4000" dirty="0" err="1">
+                <a:solidFill>
+                  <a:schemeClr val="accent2"/>
+                </a:solidFill>
+                <a:latin typeface="Snap ITC" panose="04040A07060A02020202" pitchFamily="82" charset="0"/>
+              </a:rPr>
+              <a:t>Pythonic</a:t>
+            </a:r>
+            <a:r>
               <a:rPr lang="de-DE" sz="4000" dirty="0">
                 <a:solidFill>
                   <a:schemeClr val="accent2"/>
                 </a:solidFill>
                 <a:latin typeface="Snap ITC" panose="04040A07060A02020202" pitchFamily="82" charset="0"/>
               </a:rPr>
-              <a:t>--- TBD ---</a:t>
+              <a:t> Bubble Saga </a:t>
             </a:r>
           </a:p>
         </p:txBody>
@@ -4245,8 +4255,8 @@
         </p:nvSpPr>
         <p:spPr>
           <a:xfrm>
-            <a:off x="6712085" y="6216198"/>
-            <a:ext cx="5233481" cy="461665"/>
+            <a:off x="5240497" y="6318021"/>
+            <a:ext cx="7547042" cy="461665"/>
           </a:xfrm>
           <a:prstGeom prst="rect">
             <a:avLst/>
@@ -4271,7 +4281,7 @@
                 <a:latin typeface="Calibri" panose="020F0502020204030204" pitchFamily="34" charset="0"/>
                 <a:cs typeface="Calibri" panose="020F0502020204030204" pitchFamily="34" charset="0"/>
               </a:rPr>
-              <a:t>:  </a:t>
+              <a:t>:  https://github.com/sdiddens/PythonicBubbleSaga</a:t>
             </a:r>
           </a:p>
         </p:txBody>
@@ -4306,60 +4316,1688 @@
           <a:chExt cx="0" cy="0"/>
         </a:xfrm>
       </p:grpSpPr>
-      <p:sp>
-        <p:nvSpPr>
-          <p:cNvPr id="2" name="Titel 1">
-            <a:extLst>
-              <a:ext uri="{FF2B5EF4-FFF2-40B4-BE49-F238E27FC236}">
-                <a16:creationId xmlns:a16="http://schemas.microsoft.com/office/drawing/2014/main" id="{AEBB5CD4-97C9-ED10-1431-D476BFE313C6}"/>
-              </a:ext>
-            </a:extLst>
-          </p:cNvPr>
-          <p:cNvSpPr>
-            <a:spLocks noGrp="1"/>
-          </p:cNvSpPr>
-          <p:nvPr>
-            <p:ph type="ctrTitle"/>
-          </p:nvPr>
-        </p:nvSpPr>
-        <p:spPr/>
-        <p:txBody>
-          <a:bodyPr/>
-          <a:lstStyle/>
-          <a:p>
-            <a:endParaRPr lang="de-DE" dirty="0"/>
-          </a:p>
-        </p:txBody>
-      </p:sp>
-      <p:sp>
-        <p:nvSpPr>
-          <p:cNvPr id="3" name="Untertitel 2">
-            <a:extLst>
-              <a:ext uri="{FF2B5EF4-FFF2-40B4-BE49-F238E27FC236}">
-                <a16:creationId xmlns:a16="http://schemas.microsoft.com/office/drawing/2014/main" id="{4E97BE53-789D-540B-D4E2-C3BFF8C54544}"/>
-              </a:ext>
-            </a:extLst>
-          </p:cNvPr>
-          <p:cNvSpPr>
-            <a:spLocks noGrp="1"/>
-          </p:cNvSpPr>
-          <p:nvPr>
-            <p:ph type="subTitle" idx="1"/>
-          </p:nvPr>
-        </p:nvSpPr>
-        <p:spPr/>
-        <p:txBody>
-          <a:bodyPr/>
-          <a:lstStyle/>
-          <a:p>
-            <a:endParaRPr lang="de-DE"/>
-          </a:p>
-        </p:txBody>
-      </p:sp>
+      <p:pic>
+        <p:nvPicPr>
+          <p:cNvPr id="4" name="Grafik 3">
+            <a:extLst>
+              <a:ext uri="{FF2B5EF4-FFF2-40B4-BE49-F238E27FC236}">
+                <a16:creationId xmlns:a16="http://schemas.microsoft.com/office/drawing/2014/main" id="{6FCD830C-8902-48E7-D84D-1313B7941857}"/>
+              </a:ext>
+            </a:extLst>
+          </p:cNvPr>
+          <p:cNvPicPr>
+            <a:picLocks noChangeAspect="1"/>
+          </p:cNvPicPr>
+          <p:nvPr/>
+        </p:nvPicPr>
+        <p:blipFill>
+          <a:blip r:embed="rId2">
+            <a:extLst>
+              <a:ext uri="{28A0092B-C50C-407E-A947-70E740481C1C}">
+                <a14:useLocalDpi xmlns:a14="http://schemas.microsoft.com/office/drawing/2010/main" val="0"/>
+              </a:ext>
+            </a:extLst>
+          </a:blip>
+          <a:stretch>
+            <a:fillRect/>
+          </a:stretch>
+        </p:blipFill>
+        <p:spPr>
+          <a:xfrm>
+            <a:off x="0" y="0"/>
+            <a:ext cx="11430000" cy="6858000"/>
+          </a:xfrm>
+          <a:prstGeom prst="rect">
+            <a:avLst/>
+          </a:prstGeom>
+        </p:spPr>
+      </p:pic>
+      <p:pic>
+        <p:nvPicPr>
+          <p:cNvPr id="5" name="Grafik 4" descr="Ein Bild, das Clipart, Zeichnung, Cartoon, Kunst enthält.&#10;&#10;Automatisch generierte Beschreibung">
+            <a:extLst>
+              <a:ext uri="{FF2B5EF4-FFF2-40B4-BE49-F238E27FC236}">
+                <a16:creationId xmlns:a16="http://schemas.microsoft.com/office/drawing/2014/main" id="{A753BE82-7573-DE61-9EA6-E035B6553E76}"/>
+              </a:ext>
+            </a:extLst>
+          </p:cNvPr>
+          <p:cNvPicPr>
+            <a:picLocks noChangeAspect="1"/>
+          </p:cNvPicPr>
+          <p:nvPr/>
+        </p:nvPicPr>
+        <p:blipFill>
+          <a:blip r:embed="rId3">
+            <a:extLst>
+              <a:ext uri="{28A0092B-C50C-407E-A947-70E740481C1C}">
+                <a14:useLocalDpi xmlns:a14="http://schemas.microsoft.com/office/drawing/2010/main" val="0"/>
+              </a:ext>
+            </a:extLst>
+          </a:blip>
+          <a:stretch>
+            <a:fillRect/>
+          </a:stretch>
+        </p:blipFill>
+        <p:spPr>
+          <a:xfrm>
+            <a:off x="902689" y="3704513"/>
+            <a:ext cx="1402282" cy="3000276"/>
+          </a:xfrm>
+          <a:prstGeom prst="rect">
+            <a:avLst/>
+          </a:prstGeom>
+        </p:spPr>
+      </p:pic>
+      <p:pic>
+        <p:nvPicPr>
+          <p:cNvPr id="6" name="Grafik 5" descr="Ein Bild, das Kreis, Kugel, Planet, Astronomisches Objekt enthält.&#10;&#10;Automatisch generierte Beschreibung">
+            <a:extLst>
+              <a:ext uri="{FF2B5EF4-FFF2-40B4-BE49-F238E27FC236}">
+                <a16:creationId xmlns:a16="http://schemas.microsoft.com/office/drawing/2014/main" id="{722268D5-A078-173B-A2B7-B9E0E8682F60}"/>
+              </a:ext>
+            </a:extLst>
+          </p:cNvPr>
+          <p:cNvPicPr>
+            <a:picLocks noChangeAspect="1"/>
+          </p:cNvPicPr>
+          <p:nvPr/>
+        </p:nvPicPr>
+        <p:blipFill>
+          <a:blip r:embed="rId4">
+            <a:extLst>
+              <a:ext uri="{28A0092B-C50C-407E-A947-70E740481C1C}">
+                <a14:useLocalDpi xmlns:a14="http://schemas.microsoft.com/office/drawing/2010/main" val="0"/>
+              </a:ext>
+            </a:extLst>
+          </a:blip>
+          <a:stretch>
+            <a:fillRect/>
+          </a:stretch>
+        </p:blipFill>
+        <p:spPr>
+          <a:xfrm flipH="1">
+            <a:off x="241958" y="1691595"/>
+            <a:ext cx="1361872" cy="1361872"/>
+          </a:xfrm>
+          <a:prstGeom prst="rect">
+            <a:avLst/>
+          </a:prstGeom>
+        </p:spPr>
+      </p:pic>
+      <p:pic>
+        <p:nvPicPr>
+          <p:cNvPr id="7" name="Grafik 6" descr="Ein Bild, das Kreis, Geschirr, Grün, Schüssel enthält.&#10;&#10;Automatisch generierte Beschreibung">
+            <a:extLst>
+              <a:ext uri="{FF2B5EF4-FFF2-40B4-BE49-F238E27FC236}">
+                <a16:creationId xmlns:a16="http://schemas.microsoft.com/office/drawing/2014/main" id="{C714CFD8-0AEB-7F9D-B944-B4F97E8FDCF1}"/>
+              </a:ext>
+            </a:extLst>
+          </p:cNvPr>
+          <p:cNvPicPr>
+            <a:picLocks noChangeAspect="1"/>
+          </p:cNvPicPr>
+          <p:nvPr/>
+        </p:nvPicPr>
+        <p:blipFill>
+          <a:blip r:embed="rId5">
+            <a:extLst>
+              <a:ext uri="{28A0092B-C50C-407E-A947-70E740481C1C}">
+                <a14:useLocalDpi xmlns:a14="http://schemas.microsoft.com/office/drawing/2010/main" val="0"/>
+              </a:ext>
+            </a:extLst>
+          </a:blip>
+          <a:stretch>
+            <a:fillRect/>
+          </a:stretch>
+        </p:blipFill>
+        <p:spPr>
+          <a:xfrm>
+            <a:off x="1788656" y="1691595"/>
+            <a:ext cx="1361872" cy="1361872"/>
+          </a:xfrm>
+          <a:prstGeom prst="rect">
+            <a:avLst/>
+          </a:prstGeom>
+        </p:spPr>
+      </p:pic>
+      <p:pic>
+        <p:nvPicPr>
+          <p:cNvPr id="8" name="Grafik 7" descr="Ein Bild, das Kreis, Farbigkeit, Geschirr enthält.&#10;&#10;Automatisch generierte Beschreibung">
+            <a:extLst>
+              <a:ext uri="{FF2B5EF4-FFF2-40B4-BE49-F238E27FC236}">
+                <a16:creationId xmlns:a16="http://schemas.microsoft.com/office/drawing/2014/main" id="{AE0C288F-828D-1F2E-22A1-2224E32903FA}"/>
+              </a:ext>
+            </a:extLst>
+          </p:cNvPr>
+          <p:cNvPicPr>
+            <a:picLocks noChangeAspect="1"/>
+          </p:cNvPicPr>
+          <p:nvPr/>
+        </p:nvPicPr>
+        <p:blipFill>
+          <a:blip r:embed="rId6">
+            <a:extLst>
+              <a:ext uri="{28A0092B-C50C-407E-A947-70E740481C1C}">
+                <a14:useLocalDpi xmlns:a14="http://schemas.microsoft.com/office/drawing/2010/main" val="0"/>
+              </a:ext>
+            </a:extLst>
+          </a:blip>
+          <a:stretch>
+            <a:fillRect/>
+          </a:stretch>
+        </p:blipFill>
+        <p:spPr>
+          <a:xfrm flipH="1">
+            <a:off x="1015306" y="359612"/>
+            <a:ext cx="1361873" cy="1361873"/>
+          </a:xfrm>
+          <a:prstGeom prst="rect">
+            <a:avLst/>
+          </a:prstGeom>
+        </p:spPr>
+      </p:pic>
+      <p:pic>
+        <p:nvPicPr>
+          <p:cNvPr id="9" name="Grafik 8" descr="Ein Bild, das Kreis enthält.&#10;&#10;Automatisch generierte Beschreibung">
+            <a:extLst>
+              <a:ext uri="{FF2B5EF4-FFF2-40B4-BE49-F238E27FC236}">
+                <a16:creationId xmlns:a16="http://schemas.microsoft.com/office/drawing/2014/main" id="{7D440A9C-63F0-8417-FD76-847533E1CC62}"/>
+              </a:ext>
+            </a:extLst>
+          </p:cNvPr>
+          <p:cNvPicPr>
+            <a:picLocks noChangeAspect="1"/>
+          </p:cNvPicPr>
+          <p:nvPr/>
+        </p:nvPicPr>
+        <p:blipFill>
+          <a:blip r:embed="rId7">
+            <a:extLst>
+              <a:ext uri="{28A0092B-C50C-407E-A947-70E740481C1C}">
+                <a14:useLocalDpi xmlns:a14="http://schemas.microsoft.com/office/drawing/2010/main" val="0"/>
+              </a:ext>
+            </a:extLst>
+          </a:blip>
+          <a:stretch>
+            <a:fillRect/>
+          </a:stretch>
+        </p:blipFill>
+        <p:spPr>
+          <a:xfrm>
+            <a:off x="2562005" y="359612"/>
+            <a:ext cx="1361872" cy="1361872"/>
+          </a:xfrm>
+          <a:prstGeom prst="rect">
+            <a:avLst/>
+          </a:prstGeom>
+        </p:spPr>
+      </p:pic>
+      <p:pic>
+        <p:nvPicPr>
+          <p:cNvPr id="10" name="Grafik 9" descr="Ein Bild, das Kreis, Farbigkeit, Geschirr enthält.&#10;&#10;Automatisch generierte Beschreibung">
+            <a:extLst>
+              <a:ext uri="{FF2B5EF4-FFF2-40B4-BE49-F238E27FC236}">
+                <a16:creationId xmlns:a16="http://schemas.microsoft.com/office/drawing/2014/main" id="{68363198-7DBE-A1B9-21F5-E1000201B91D}"/>
+              </a:ext>
+            </a:extLst>
+          </p:cNvPr>
+          <p:cNvPicPr>
+            <a:picLocks noChangeAspect="1"/>
+          </p:cNvPicPr>
+          <p:nvPr/>
+        </p:nvPicPr>
+        <p:blipFill>
+          <a:blip r:embed="rId8">
+            <a:extLst>
+              <a:ext uri="{28A0092B-C50C-407E-A947-70E740481C1C}">
+                <a14:useLocalDpi xmlns:a14="http://schemas.microsoft.com/office/drawing/2010/main" val="0"/>
+              </a:ext>
+            </a:extLst>
+          </a:blip>
+          <a:stretch>
+            <a:fillRect/>
+          </a:stretch>
+        </p:blipFill>
+        <p:spPr>
+          <a:xfrm>
+            <a:off x="3335354" y="1691595"/>
+            <a:ext cx="1361872" cy="1361872"/>
+          </a:xfrm>
+          <a:prstGeom prst="rect">
+            <a:avLst/>
+          </a:prstGeom>
+        </p:spPr>
+      </p:pic>
+      <p:pic>
+        <p:nvPicPr>
+          <p:cNvPr id="16" name="Grafik 15" descr="Ein Bild, das Kreis, Farbigkeit, Geschirr enthält.&#10;&#10;Automatisch generierte Beschreibung">
+            <a:extLst>
+              <a:ext uri="{FF2B5EF4-FFF2-40B4-BE49-F238E27FC236}">
+                <a16:creationId xmlns:a16="http://schemas.microsoft.com/office/drawing/2014/main" id="{8D7C0970-A4C1-FF7C-11C1-2568DC8439AA}"/>
+              </a:ext>
+            </a:extLst>
+          </p:cNvPr>
+          <p:cNvPicPr>
+            <a:picLocks noChangeAspect="1"/>
+          </p:cNvPicPr>
+          <p:nvPr/>
+        </p:nvPicPr>
+        <p:blipFill>
+          <a:blip r:embed="rId8">
+            <a:extLst>
+              <a:ext uri="{28A0092B-C50C-407E-A947-70E740481C1C}">
+                <a14:useLocalDpi xmlns:a14="http://schemas.microsoft.com/office/drawing/2010/main" val="0"/>
+              </a:ext>
+            </a:extLst>
+          </a:blip>
+          <a:stretch>
+            <a:fillRect/>
+          </a:stretch>
+        </p:blipFill>
+        <p:spPr>
+          <a:xfrm>
+            <a:off x="975163" y="5342917"/>
+            <a:ext cx="1361872" cy="1361872"/>
+          </a:xfrm>
+          <a:prstGeom prst="rect">
+            <a:avLst/>
+          </a:prstGeom>
+        </p:spPr>
+      </p:pic>
+      <p:pic>
+        <p:nvPicPr>
+          <p:cNvPr id="17" name="Grafik 16" descr="Ein Bild, das Clipart, Zeichnung, Cartoon, Kunst enthält.&#10;&#10;Automatisch generierte Beschreibung">
+            <a:extLst>
+              <a:ext uri="{FF2B5EF4-FFF2-40B4-BE49-F238E27FC236}">
+                <a16:creationId xmlns:a16="http://schemas.microsoft.com/office/drawing/2014/main" id="{48CC2B55-C6B7-19A0-AB23-BA0204697F2A}"/>
+              </a:ext>
+            </a:extLst>
+          </p:cNvPr>
+          <p:cNvPicPr>
+            <a:picLocks noChangeAspect="1"/>
+          </p:cNvPicPr>
+          <p:nvPr/>
+        </p:nvPicPr>
+        <p:blipFill>
+          <a:blip r:embed="rId3">
+            <a:extLst>
+              <a:ext uri="{28A0092B-C50C-407E-A947-70E740481C1C}">
+                <a14:useLocalDpi xmlns:a14="http://schemas.microsoft.com/office/drawing/2010/main" val="0"/>
+              </a:ext>
+            </a:extLst>
+          </a:blip>
+          <a:stretch>
+            <a:fillRect/>
+          </a:stretch>
+        </p:blipFill>
+        <p:spPr>
+          <a:xfrm>
+            <a:off x="7881857" y="3704513"/>
+            <a:ext cx="1402282" cy="3000276"/>
+          </a:xfrm>
+          <a:prstGeom prst="rect">
+            <a:avLst/>
+          </a:prstGeom>
+        </p:spPr>
+      </p:pic>
+      <p:pic>
+        <p:nvPicPr>
+          <p:cNvPr id="18" name="Grafik 17" descr="Ein Bild, das Kreis, Kugel, Planet, Astronomisches Objekt enthält.&#10;&#10;Automatisch generierte Beschreibung">
+            <a:extLst>
+              <a:ext uri="{FF2B5EF4-FFF2-40B4-BE49-F238E27FC236}">
+                <a16:creationId xmlns:a16="http://schemas.microsoft.com/office/drawing/2014/main" id="{539819E2-E422-8445-7BDE-FF3D4DE1C831}"/>
+              </a:ext>
+            </a:extLst>
+          </p:cNvPr>
+          <p:cNvPicPr>
+            <a:picLocks noChangeAspect="1"/>
+          </p:cNvPicPr>
+          <p:nvPr/>
+        </p:nvPicPr>
+        <p:blipFill>
+          <a:blip r:embed="rId4">
+            <a:extLst>
+              <a:ext uri="{28A0092B-C50C-407E-A947-70E740481C1C}">
+                <a14:useLocalDpi xmlns:a14="http://schemas.microsoft.com/office/drawing/2010/main" val="0"/>
+              </a:ext>
+            </a:extLst>
+          </a:blip>
+          <a:stretch>
+            <a:fillRect/>
+          </a:stretch>
+        </p:blipFill>
+        <p:spPr>
+          <a:xfrm flipH="1">
+            <a:off x="6365950" y="1691595"/>
+            <a:ext cx="1361872" cy="1361872"/>
+          </a:xfrm>
+          <a:prstGeom prst="rect">
+            <a:avLst/>
+          </a:prstGeom>
+        </p:spPr>
+      </p:pic>
+      <p:pic>
+        <p:nvPicPr>
+          <p:cNvPr id="19" name="Grafik 18" descr="Ein Bild, das Kreis, Geschirr, Grün, Schüssel enthält.&#10;&#10;Automatisch generierte Beschreibung">
+            <a:extLst>
+              <a:ext uri="{FF2B5EF4-FFF2-40B4-BE49-F238E27FC236}">
+                <a16:creationId xmlns:a16="http://schemas.microsoft.com/office/drawing/2014/main" id="{6A24C32E-BD3B-7EE3-471A-A403A950036D}"/>
+              </a:ext>
+            </a:extLst>
+          </p:cNvPr>
+          <p:cNvPicPr>
+            <a:picLocks noChangeAspect="1"/>
+          </p:cNvPicPr>
+          <p:nvPr/>
+        </p:nvPicPr>
+        <p:blipFill>
+          <a:blip r:embed="rId5">
+            <a:extLst>
+              <a:ext uri="{28A0092B-C50C-407E-A947-70E740481C1C}">
+                <a14:useLocalDpi xmlns:a14="http://schemas.microsoft.com/office/drawing/2010/main" val="0"/>
+              </a:ext>
+            </a:extLst>
+          </a:blip>
+          <a:stretch>
+            <a:fillRect/>
+          </a:stretch>
+        </p:blipFill>
+        <p:spPr>
+          <a:xfrm>
+            <a:off x="7912648" y="1691595"/>
+            <a:ext cx="1361872" cy="1361872"/>
+          </a:xfrm>
+          <a:prstGeom prst="rect">
+            <a:avLst/>
+          </a:prstGeom>
+        </p:spPr>
+      </p:pic>
+      <p:pic>
+        <p:nvPicPr>
+          <p:cNvPr id="20" name="Grafik 19" descr="Ein Bild, das Kreis, Farbigkeit, Geschirr enthält.&#10;&#10;Automatisch generierte Beschreibung">
+            <a:extLst>
+              <a:ext uri="{FF2B5EF4-FFF2-40B4-BE49-F238E27FC236}">
+                <a16:creationId xmlns:a16="http://schemas.microsoft.com/office/drawing/2014/main" id="{77CF6DCF-181A-6C35-A76C-A58625E2A1FB}"/>
+              </a:ext>
+            </a:extLst>
+          </p:cNvPr>
+          <p:cNvPicPr>
+            <a:picLocks noChangeAspect="1"/>
+          </p:cNvPicPr>
+          <p:nvPr/>
+        </p:nvPicPr>
+        <p:blipFill>
+          <a:blip r:embed="rId6">
+            <a:extLst>
+              <a:ext uri="{28A0092B-C50C-407E-A947-70E740481C1C}">
+                <a14:useLocalDpi xmlns:a14="http://schemas.microsoft.com/office/drawing/2010/main" val="0"/>
+              </a:ext>
+            </a:extLst>
+          </a:blip>
+          <a:stretch>
+            <a:fillRect/>
+          </a:stretch>
+        </p:blipFill>
+        <p:spPr>
+          <a:xfrm flipH="1">
+            <a:off x="6365949" y="191457"/>
+            <a:ext cx="1361873" cy="1361873"/>
+          </a:xfrm>
+          <a:prstGeom prst="rect">
+            <a:avLst/>
+          </a:prstGeom>
+        </p:spPr>
+      </p:pic>
+      <p:pic>
+        <p:nvPicPr>
+          <p:cNvPr id="21" name="Grafik 20" descr="Ein Bild, das Kreis enthält.&#10;&#10;Automatisch generierte Beschreibung">
+            <a:extLst>
+              <a:ext uri="{FF2B5EF4-FFF2-40B4-BE49-F238E27FC236}">
+                <a16:creationId xmlns:a16="http://schemas.microsoft.com/office/drawing/2014/main" id="{493E7775-1441-2E78-96FD-1B78A4D0DEA1}"/>
+              </a:ext>
+            </a:extLst>
+          </p:cNvPr>
+          <p:cNvPicPr>
+            <a:picLocks noChangeAspect="1"/>
+          </p:cNvPicPr>
+          <p:nvPr/>
+        </p:nvPicPr>
+        <p:blipFill>
+          <a:blip r:embed="rId7">
+            <a:extLst>
+              <a:ext uri="{28A0092B-C50C-407E-A947-70E740481C1C}">
+                <a14:useLocalDpi xmlns:a14="http://schemas.microsoft.com/office/drawing/2010/main" val="0"/>
+              </a:ext>
+            </a:extLst>
+          </a:blip>
+          <a:stretch>
+            <a:fillRect/>
+          </a:stretch>
+        </p:blipFill>
+        <p:spPr>
+          <a:xfrm>
+            <a:off x="7922598" y="191458"/>
+            <a:ext cx="1361872" cy="1361872"/>
+          </a:xfrm>
+          <a:prstGeom prst="rect">
+            <a:avLst/>
+          </a:prstGeom>
+        </p:spPr>
+      </p:pic>
+      <p:pic>
+        <p:nvPicPr>
+          <p:cNvPr id="22" name="Grafik 21" descr="Ein Bild, das Kreis, Farbigkeit, Geschirr enthält.&#10;&#10;Automatisch generierte Beschreibung">
+            <a:extLst>
+              <a:ext uri="{FF2B5EF4-FFF2-40B4-BE49-F238E27FC236}">
+                <a16:creationId xmlns:a16="http://schemas.microsoft.com/office/drawing/2014/main" id="{3B1A3ED4-5B23-C24A-21B8-D79318905677}"/>
+              </a:ext>
+            </a:extLst>
+          </p:cNvPr>
+          <p:cNvPicPr>
+            <a:picLocks noChangeAspect="1"/>
+          </p:cNvPicPr>
+          <p:nvPr/>
+        </p:nvPicPr>
+        <p:blipFill>
+          <a:blip r:embed="rId8">
+            <a:extLst>
+              <a:ext uri="{28A0092B-C50C-407E-A947-70E740481C1C}">
+                <a14:useLocalDpi xmlns:a14="http://schemas.microsoft.com/office/drawing/2010/main" val="0"/>
+              </a:ext>
+            </a:extLst>
+          </a:blip>
+          <a:stretch>
+            <a:fillRect/>
+          </a:stretch>
+        </p:blipFill>
+        <p:spPr>
+          <a:xfrm>
+            <a:off x="9459346" y="1691595"/>
+            <a:ext cx="1361872" cy="1361872"/>
+          </a:xfrm>
+          <a:prstGeom prst="rect">
+            <a:avLst/>
+          </a:prstGeom>
+        </p:spPr>
+      </p:pic>
+      <p:pic>
+        <p:nvPicPr>
+          <p:cNvPr id="23" name="Grafik 22" descr="Ein Bild, das Kreis, Farbigkeit, Geschirr enthält.&#10;&#10;Automatisch generierte Beschreibung">
+            <a:extLst>
+              <a:ext uri="{FF2B5EF4-FFF2-40B4-BE49-F238E27FC236}">
+                <a16:creationId xmlns:a16="http://schemas.microsoft.com/office/drawing/2014/main" id="{81635417-579B-4A70-07F1-C5D9F5B4D99B}"/>
+              </a:ext>
+            </a:extLst>
+          </p:cNvPr>
+          <p:cNvPicPr>
+            <a:picLocks noChangeAspect="1"/>
+          </p:cNvPicPr>
+          <p:nvPr/>
+        </p:nvPicPr>
+        <p:blipFill>
+          <a:blip r:embed="rId8">
+            <a:extLst>
+              <a:ext uri="{28A0092B-C50C-407E-A947-70E740481C1C}">
+                <a14:useLocalDpi xmlns:a14="http://schemas.microsoft.com/office/drawing/2010/main" val="0"/>
+              </a:ext>
+            </a:extLst>
+          </a:blip>
+          <a:stretch>
+            <a:fillRect/>
+          </a:stretch>
+        </p:blipFill>
+        <p:spPr>
+          <a:xfrm>
+            <a:off x="7902062" y="5342917"/>
+            <a:ext cx="1361872" cy="1361872"/>
+          </a:xfrm>
+          <a:prstGeom prst="rect">
+            <a:avLst/>
+          </a:prstGeom>
+        </p:spPr>
+      </p:pic>
     </p:spTree>
     <p:extLst>
       <p:ext uri="{BB962C8B-B14F-4D97-AF65-F5344CB8AC3E}">
         <p14:creationId xmlns:p14="http://schemas.microsoft.com/office/powerpoint/2010/main" val="922418835"/>
+      </p:ext>
+    </p:extLst>
+  </p:cSld>
+  <p:clrMapOvr>
+    <a:masterClrMapping/>
+  </p:clrMapOvr>
+</p:sld>
+</file>
+
+<file path=ppt/slides/slide4.xml><?xml version="1.0" encoding="utf-8"?>
+<p:sld xmlns:a="http://schemas.openxmlformats.org/drawingml/2006/main" xmlns:r="http://schemas.openxmlformats.org/officeDocument/2006/relationships" xmlns:p="http://schemas.openxmlformats.org/presentationml/2006/main">
+  <p:cSld>
+    <p:spTree>
+      <p:nvGrpSpPr>
+        <p:cNvPr id="1" name=""/>
+        <p:cNvGrpSpPr/>
+        <p:nvPr/>
+      </p:nvGrpSpPr>
+      <p:grpSpPr>
+        <a:xfrm>
+          <a:off x="0" y="0"/>
+          <a:ext cx="0" cy="0"/>
+          <a:chOff x="0" y="0"/>
+          <a:chExt cx="0" cy="0"/>
+        </a:xfrm>
+      </p:grpSpPr>
+      <p:cxnSp>
+        <p:nvCxnSpPr>
+          <p:cNvPr id="5" name="Gerader Verbinder 4">
+            <a:extLst>
+              <a:ext uri="{FF2B5EF4-FFF2-40B4-BE49-F238E27FC236}">
+                <a16:creationId xmlns:a16="http://schemas.microsoft.com/office/drawing/2014/main" id="{1542534B-A471-B07C-01F3-9FAE5F77C831}"/>
+              </a:ext>
+            </a:extLst>
+          </p:cNvPr>
+          <p:cNvCxnSpPr/>
+          <p:nvPr/>
+        </p:nvCxnSpPr>
+        <p:spPr>
+          <a:xfrm>
+            <a:off x="99588" y="932507"/>
+            <a:ext cx="12004895" cy="0"/>
+          </a:xfrm>
+          <a:prstGeom prst="line">
+            <a:avLst/>
+          </a:prstGeom>
+        </p:spPr>
+        <p:style>
+          <a:lnRef idx="2">
+            <a:schemeClr val="accent1"/>
+          </a:lnRef>
+          <a:fillRef idx="0">
+            <a:schemeClr val="accent1"/>
+          </a:fillRef>
+          <a:effectRef idx="1">
+            <a:schemeClr val="accent1"/>
+          </a:effectRef>
+          <a:fontRef idx="minor">
+            <a:schemeClr val="tx1"/>
+          </a:fontRef>
+        </p:style>
+      </p:cxnSp>
+      <p:cxnSp>
+        <p:nvCxnSpPr>
+          <p:cNvPr id="7" name="Gerader Verbinder 6">
+            <a:extLst>
+              <a:ext uri="{FF2B5EF4-FFF2-40B4-BE49-F238E27FC236}">
+                <a16:creationId xmlns:a16="http://schemas.microsoft.com/office/drawing/2014/main" id="{4E3BB6FA-8637-CE6C-6BC7-2A97912C188D}"/>
+              </a:ext>
+            </a:extLst>
+          </p:cNvPr>
+          <p:cNvCxnSpPr/>
+          <p:nvPr/>
+        </p:nvCxnSpPr>
+        <p:spPr>
+          <a:xfrm>
+            <a:off x="99588" y="1683945"/>
+            <a:ext cx="11887200" cy="0"/>
+          </a:xfrm>
+          <a:prstGeom prst="line">
+            <a:avLst/>
+          </a:prstGeom>
+        </p:spPr>
+        <p:style>
+          <a:lnRef idx="2">
+            <a:schemeClr val="accent1"/>
+          </a:lnRef>
+          <a:fillRef idx="0">
+            <a:schemeClr val="accent1"/>
+          </a:fillRef>
+          <a:effectRef idx="1">
+            <a:schemeClr val="accent1"/>
+          </a:effectRef>
+          <a:fontRef idx="minor">
+            <a:schemeClr val="tx1"/>
+          </a:fontRef>
+        </p:style>
+      </p:cxnSp>
+      <p:cxnSp>
+        <p:nvCxnSpPr>
+          <p:cNvPr id="8" name="Gerader Verbinder 7">
+            <a:extLst>
+              <a:ext uri="{FF2B5EF4-FFF2-40B4-BE49-F238E27FC236}">
+                <a16:creationId xmlns:a16="http://schemas.microsoft.com/office/drawing/2014/main" id="{08A8AA38-FD8F-1566-7402-A3CCD61B19FC}"/>
+              </a:ext>
+            </a:extLst>
+          </p:cNvPr>
+          <p:cNvCxnSpPr/>
+          <p:nvPr/>
+        </p:nvCxnSpPr>
+        <p:spPr>
+          <a:xfrm>
+            <a:off x="99588" y="2623997"/>
+            <a:ext cx="11887200" cy="0"/>
+          </a:xfrm>
+          <a:prstGeom prst="line">
+            <a:avLst/>
+          </a:prstGeom>
+        </p:spPr>
+        <p:style>
+          <a:lnRef idx="2">
+            <a:schemeClr val="accent1"/>
+          </a:lnRef>
+          <a:fillRef idx="0">
+            <a:schemeClr val="accent1"/>
+          </a:fillRef>
+          <a:effectRef idx="1">
+            <a:schemeClr val="accent1"/>
+          </a:effectRef>
+          <a:fontRef idx="minor">
+            <a:schemeClr val="tx1"/>
+          </a:fontRef>
+        </p:style>
+      </p:cxnSp>
+      <p:cxnSp>
+        <p:nvCxnSpPr>
+          <p:cNvPr id="9" name="Gerader Verbinder 8">
+            <a:extLst>
+              <a:ext uri="{FF2B5EF4-FFF2-40B4-BE49-F238E27FC236}">
+                <a16:creationId xmlns:a16="http://schemas.microsoft.com/office/drawing/2014/main" id="{3D11C230-0128-E832-CCEB-02050B4F44AB}"/>
+              </a:ext>
+            </a:extLst>
+          </p:cNvPr>
+          <p:cNvCxnSpPr/>
+          <p:nvPr/>
+        </p:nvCxnSpPr>
+        <p:spPr>
+          <a:xfrm>
+            <a:off x="152400" y="3583664"/>
+            <a:ext cx="11887200" cy="0"/>
+          </a:xfrm>
+          <a:prstGeom prst="line">
+            <a:avLst/>
+          </a:prstGeom>
+        </p:spPr>
+        <p:style>
+          <a:lnRef idx="2">
+            <a:schemeClr val="accent1"/>
+          </a:lnRef>
+          <a:fillRef idx="0">
+            <a:schemeClr val="accent1"/>
+          </a:fillRef>
+          <a:effectRef idx="1">
+            <a:schemeClr val="accent1"/>
+          </a:effectRef>
+          <a:fontRef idx="minor">
+            <a:schemeClr val="tx1"/>
+          </a:fontRef>
+        </p:style>
+      </p:cxnSp>
+      <p:cxnSp>
+        <p:nvCxnSpPr>
+          <p:cNvPr id="11" name="Gerader Verbinder 10">
+            <a:extLst>
+              <a:ext uri="{FF2B5EF4-FFF2-40B4-BE49-F238E27FC236}">
+                <a16:creationId xmlns:a16="http://schemas.microsoft.com/office/drawing/2014/main" id="{A12A7ADA-1DC7-53D0-B6E6-6D75C1E374D4}"/>
+              </a:ext>
+            </a:extLst>
+          </p:cNvPr>
+          <p:cNvCxnSpPr/>
+          <p:nvPr/>
+        </p:nvCxnSpPr>
+        <p:spPr>
+          <a:xfrm>
+            <a:off x="860079" y="0"/>
+            <a:ext cx="0" cy="4553893"/>
+          </a:xfrm>
+          <a:prstGeom prst="line">
+            <a:avLst/>
+          </a:prstGeom>
+        </p:spPr>
+        <p:style>
+          <a:lnRef idx="2">
+            <a:schemeClr val="accent1"/>
+          </a:lnRef>
+          <a:fillRef idx="0">
+            <a:schemeClr val="accent1"/>
+          </a:fillRef>
+          <a:effectRef idx="1">
+            <a:schemeClr val="accent1"/>
+          </a:effectRef>
+          <a:fontRef idx="minor">
+            <a:schemeClr val="tx1"/>
+          </a:fontRef>
+        </p:style>
+      </p:cxnSp>
+      <p:cxnSp>
+        <p:nvCxnSpPr>
+          <p:cNvPr id="12" name="Gerader Verbinder 11">
+            <a:extLst>
+              <a:ext uri="{FF2B5EF4-FFF2-40B4-BE49-F238E27FC236}">
+                <a16:creationId xmlns:a16="http://schemas.microsoft.com/office/drawing/2014/main" id="{5DEBCF73-34FA-BEC0-0DD8-2ACECDB42C0B}"/>
+              </a:ext>
+            </a:extLst>
+          </p:cNvPr>
+          <p:cNvCxnSpPr/>
+          <p:nvPr/>
+        </p:nvCxnSpPr>
+        <p:spPr>
+          <a:xfrm>
+            <a:off x="2153215" y="0"/>
+            <a:ext cx="0" cy="4553893"/>
+          </a:xfrm>
+          <a:prstGeom prst="line">
+            <a:avLst/>
+          </a:prstGeom>
+        </p:spPr>
+        <p:style>
+          <a:lnRef idx="2">
+            <a:schemeClr val="accent1"/>
+          </a:lnRef>
+          <a:fillRef idx="0">
+            <a:schemeClr val="accent1"/>
+          </a:fillRef>
+          <a:effectRef idx="1">
+            <a:schemeClr val="accent1"/>
+          </a:effectRef>
+          <a:fontRef idx="minor">
+            <a:schemeClr val="tx1"/>
+          </a:fontRef>
+        </p:style>
+      </p:cxnSp>
+      <p:cxnSp>
+        <p:nvCxnSpPr>
+          <p:cNvPr id="13" name="Gerader Verbinder 12">
+            <a:extLst>
+              <a:ext uri="{FF2B5EF4-FFF2-40B4-BE49-F238E27FC236}">
+                <a16:creationId xmlns:a16="http://schemas.microsoft.com/office/drawing/2014/main" id="{09E1FCB9-308A-EA39-8824-3C8D26E915C0}"/>
+              </a:ext>
+            </a:extLst>
+          </p:cNvPr>
+          <p:cNvCxnSpPr/>
+          <p:nvPr/>
+        </p:nvCxnSpPr>
+        <p:spPr>
+          <a:xfrm>
+            <a:off x="3710411" y="0"/>
+            <a:ext cx="0" cy="4553893"/>
+          </a:xfrm>
+          <a:prstGeom prst="line">
+            <a:avLst/>
+          </a:prstGeom>
+        </p:spPr>
+        <p:style>
+          <a:lnRef idx="2">
+            <a:schemeClr val="accent1"/>
+          </a:lnRef>
+          <a:fillRef idx="0">
+            <a:schemeClr val="accent1"/>
+          </a:fillRef>
+          <a:effectRef idx="1">
+            <a:schemeClr val="accent1"/>
+          </a:effectRef>
+          <a:fontRef idx="minor">
+            <a:schemeClr val="tx1"/>
+          </a:fontRef>
+        </p:style>
+      </p:cxnSp>
+      <p:cxnSp>
+        <p:nvCxnSpPr>
+          <p:cNvPr id="14" name="Gerader Verbinder 13">
+            <a:extLst>
+              <a:ext uri="{FF2B5EF4-FFF2-40B4-BE49-F238E27FC236}">
+                <a16:creationId xmlns:a16="http://schemas.microsoft.com/office/drawing/2014/main" id="{7DC19335-6A79-E69D-5B44-D9B3A88B563B}"/>
+              </a:ext>
+            </a:extLst>
+          </p:cNvPr>
+          <p:cNvCxnSpPr/>
+          <p:nvPr/>
+        </p:nvCxnSpPr>
+        <p:spPr>
+          <a:xfrm>
+            <a:off x="5240448" y="0"/>
+            <a:ext cx="0" cy="4553893"/>
+          </a:xfrm>
+          <a:prstGeom prst="line">
+            <a:avLst/>
+          </a:prstGeom>
+        </p:spPr>
+        <p:style>
+          <a:lnRef idx="2">
+            <a:schemeClr val="accent1"/>
+          </a:lnRef>
+          <a:fillRef idx="0">
+            <a:schemeClr val="accent1"/>
+          </a:fillRef>
+          <a:effectRef idx="1">
+            <a:schemeClr val="accent1"/>
+          </a:effectRef>
+          <a:fontRef idx="minor">
+            <a:schemeClr val="tx1"/>
+          </a:fontRef>
+        </p:style>
+      </p:cxnSp>
+      <p:cxnSp>
+        <p:nvCxnSpPr>
+          <p:cNvPr id="15" name="Gerader Verbinder 14">
+            <a:extLst>
+              <a:ext uri="{FF2B5EF4-FFF2-40B4-BE49-F238E27FC236}">
+                <a16:creationId xmlns:a16="http://schemas.microsoft.com/office/drawing/2014/main" id="{A21C4D8B-1B5F-0938-465D-E8250358EB0A}"/>
+              </a:ext>
+            </a:extLst>
+          </p:cNvPr>
+          <p:cNvCxnSpPr/>
+          <p:nvPr/>
+        </p:nvCxnSpPr>
+        <p:spPr>
+          <a:xfrm>
+            <a:off x="6806697" y="0"/>
+            <a:ext cx="0" cy="4553893"/>
+          </a:xfrm>
+          <a:prstGeom prst="line">
+            <a:avLst/>
+          </a:prstGeom>
+        </p:spPr>
+        <p:style>
+          <a:lnRef idx="2">
+            <a:schemeClr val="accent1"/>
+          </a:lnRef>
+          <a:fillRef idx="0">
+            <a:schemeClr val="accent1"/>
+          </a:fillRef>
+          <a:effectRef idx="1">
+            <a:schemeClr val="accent1"/>
+          </a:effectRef>
+          <a:fontRef idx="minor">
+            <a:schemeClr val="tx1"/>
+          </a:fontRef>
+        </p:style>
+      </p:cxnSp>
+      <p:cxnSp>
+        <p:nvCxnSpPr>
+          <p:cNvPr id="16" name="Gerader Verbinder 15">
+            <a:extLst>
+              <a:ext uri="{FF2B5EF4-FFF2-40B4-BE49-F238E27FC236}">
+                <a16:creationId xmlns:a16="http://schemas.microsoft.com/office/drawing/2014/main" id="{ABE8D75A-7518-F9C2-47FC-DB3095529943}"/>
+              </a:ext>
+            </a:extLst>
+          </p:cNvPr>
+          <p:cNvCxnSpPr/>
+          <p:nvPr/>
+        </p:nvCxnSpPr>
+        <p:spPr>
+          <a:xfrm>
+            <a:off x="8463481" y="0"/>
+            <a:ext cx="0" cy="4553893"/>
+          </a:xfrm>
+          <a:prstGeom prst="line">
+            <a:avLst/>
+          </a:prstGeom>
+        </p:spPr>
+        <p:style>
+          <a:lnRef idx="2">
+            <a:schemeClr val="accent1"/>
+          </a:lnRef>
+          <a:fillRef idx="0">
+            <a:schemeClr val="accent1"/>
+          </a:fillRef>
+          <a:effectRef idx="1">
+            <a:schemeClr val="accent1"/>
+          </a:effectRef>
+          <a:fontRef idx="minor">
+            <a:schemeClr val="tx1"/>
+          </a:fontRef>
+        </p:style>
+      </p:cxnSp>
+      <p:cxnSp>
+        <p:nvCxnSpPr>
+          <p:cNvPr id="17" name="Gerader Verbinder 16">
+            <a:extLst>
+              <a:ext uri="{FF2B5EF4-FFF2-40B4-BE49-F238E27FC236}">
+                <a16:creationId xmlns:a16="http://schemas.microsoft.com/office/drawing/2014/main" id="{360B1BC2-6E63-16E6-C67A-9FB7F1C5FEC4}"/>
+              </a:ext>
+            </a:extLst>
+          </p:cNvPr>
+          <p:cNvCxnSpPr/>
+          <p:nvPr/>
+        </p:nvCxnSpPr>
+        <p:spPr>
+          <a:xfrm>
+            <a:off x="1483259" y="0"/>
+            <a:ext cx="0" cy="4553893"/>
+          </a:xfrm>
+          <a:prstGeom prst="line">
+            <a:avLst/>
+          </a:prstGeom>
+        </p:spPr>
+        <p:style>
+          <a:lnRef idx="2">
+            <a:schemeClr val="accent2"/>
+          </a:lnRef>
+          <a:fillRef idx="0">
+            <a:schemeClr val="accent2"/>
+          </a:fillRef>
+          <a:effectRef idx="1">
+            <a:schemeClr val="accent2"/>
+          </a:effectRef>
+          <a:fontRef idx="minor">
+            <a:schemeClr val="tx1"/>
+          </a:fontRef>
+        </p:style>
+      </p:cxnSp>
+      <p:cxnSp>
+        <p:nvCxnSpPr>
+          <p:cNvPr id="18" name="Gerader Verbinder 17">
+            <a:extLst>
+              <a:ext uri="{FF2B5EF4-FFF2-40B4-BE49-F238E27FC236}">
+                <a16:creationId xmlns:a16="http://schemas.microsoft.com/office/drawing/2014/main" id="{86AE0B99-4C03-082B-FE17-838DE2EDC5AB}"/>
+              </a:ext>
+            </a:extLst>
+          </p:cNvPr>
+          <p:cNvCxnSpPr/>
+          <p:nvPr/>
+        </p:nvCxnSpPr>
+        <p:spPr>
+          <a:xfrm>
+            <a:off x="2922760" y="0"/>
+            <a:ext cx="0" cy="4553893"/>
+          </a:xfrm>
+          <a:prstGeom prst="line">
+            <a:avLst/>
+          </a:prstGeom>
+        </p:spPr>
+        <p:style>
+          <a:lnRef idx="2">
+            <a:schemeClr val="accent2"/>
+          </a:lnRef>
+          <a:fillRef idx="0">
+            <a:schemeClr val="accent2"/>
+          </a:fillRef>
+          <a:effectRef idx="1">
+            <a:schemeClr val="accent2"/>
+          </a:effectRef>
+          <a:fontRef idx="minor">
+            <a:schemeClr val="tx1"/>
+          </a:fontRef>
+        </p:style>
+      </p:cxnSp>
+      <p:cxnSp>
+        <p:nvCxnSpPr>
+          <p:cNvPr id="19" name="Gerader Verbinder 18">
+            <a:extLst>
+              <a:ext uri="{FF2B5EF4-FFF2-40B4-BE49-F238E27FC236}">
+                <a16:creationId xmlns:a16="http://schemas.microsoft.com/office/drawing/2014/main" id="{36012DA8-BCC7-A8BE-30FB-A3273C2FF000}"/>
+              </a:ext>
+            </a:extLst>
+          </p:cNvPr>
+          <p:cNvCxnSpPr/>
+          <p:nvPr/>
+        </p:nvCxnSpPr>
+        <p:spPr>
+          <a:xfrm>
+            <a:off x="4479956" y="0"/>
+            <a:ext cx="0" cy="4553893"/>
+          </a:xfrm>
+          <a:prstGeom prst="line">
+            <a:avLst/>
+          </a:prstGeom>
+        </p:spPr>
+        <p:style>
+          <a:lnRef idx="2">
+            <a:schemeClr val="accent2"/>
+          </a:lnRef>
+          <a:fillRef idx="0">
+            <a:schemeClr val="accent2"/>
+          </a:fillRef>
+          <a:effectRef idx="1">
+            <a:schemeClr val="accent2"/>
+          </a:effectRef>
+          <a:fontRef idx="minor">
+            <a:schemeClr val="tx1"/>
+          </a:fontRef>
+        </p:style>
+      </p:cxnSp>
+      <p:cxnSp>
+        <p:nvCxnSpPr>
+          <p:cNvPr id="20" name="Gerader Verbinder 19">
+            <a:extLst>
+              <a:ext uri="{FF2B5EF4-FFF2-40B4-BE49-F238E27FC236}">
+                <a16:creationId xmlns:a16="http://schemas.microsoft.com/office/drawing/2014/main" id="{A63A12BE-AF8D-FDCC-8812-FE4AA8977BFF}"/>
+              </a:ext>
+            </a:extLst>
+          </p:cNvPr>
+          <p:cNvCxnSpPr/>
+          <p:nvPr/>
+        </p:nvCxnSpPr>
+        <p:spPr>
+          <a:xfrm>
+            <a:off x="6028099" y="0"/>
+            <a:ext cx="0" cy="4553893"/>
+          </a:xfrm>
+          <a:prstGeom prst="line">
+            <a:avLst/>
+          </a:prstGeom>
+        </p:spPr>
+        <p:style>
+          <a:lnRef idx="2">
+            <a:schemeClr val="accent2"/>
+          </a:lnRef>
+          <a:fillRef idx="0">
+            <a:schemeClr val="accent2"/>
+          </a:fillRef>
+          <a:effectRef idx="1">
+            <a:schemeClr val="accent2"/>
+          </a:effectRef>
+          <a:fontRef idx="minor">
+            <a:schemeClr val="tx1"/>
+          </a:fontRef>
+        </p:style>
+      </p:cxnSp>
+      <p:pic>
+        <p:nvPicPr>
+          <p:cNvPr id="21" name="Grafik 20" descr="Ein Bild, das Kreis, Farbigkeit, Geschirr enthält.&#10;&#10;Automatisch generierte Beschreibung">
+            <a:extLst>
+              <a:ext uri="{FF2B5EF4-FFF2-40B4-BE49-F238E27FC236}">
+                <a16:creationId xmlns:a16="http://schemas.microsoft.com/office/drawing/2014/main" id="{E14AC0B9-4717-D452-5D15-0CFED26DF0E6}"/>
+              </a:ext>
+            </a:extLst>
+          </p:cNvPr>
+          <p:cNvPicPr>
+            <a:picLocks noChangeAspect="1"/>
+          </p:cNvPicPr>
+          <p:nvPr/>
+        </p:nvPicPr>
+        <p:blipFill>
+          <a:blip r:embed="rId2">
+            <a:extLst>
+              <a:ext uri="{28A0092B-C50C-407E-A947-70E740481C1C}">
+                <a14:useLocalDpi xmlns:a14="http://schemas.microsoft.com/office/drawing/2010/main" val="0"/>
+              </a:ext>
+            </a:extLst>
+          </a:blip>
+          <a:stretch>
+            <a:fillRect/>
+          </a:stretch>
+        </p:blipFill>
+        <p:spPr>
+          <a:xfrm flipH="1">
+            <a:off x="4104237" y="129013"/>
+            <a:ext cx="751437" cy="751437"/>
+          </a:xfrm>
+          <a:prstGeom prst="rect">
+            <a:avLst/>
+          </a:prstGeom>
+        </p:spPr>
+      </p:pic>
+      <p:pic>
+        <p:nvPicPr>
+          <p:cNvPr id="22" name="Grafik 21" descr="Ein Bild, das Kreis, Farbigkeit, Geschirr enthält.&#10;&#10;Automatisch generierte Beschreibung">
+            <a:extLst>
+              <a:ext uri="{FF2B5EF4-FFF2-40B4-BE49-F238E27FC236}">
+                <a16:creationId xmlns:a16="http://schemas.microsoft.com/office/drawing/2014/main" id="{19D33C12-57F5-33CC-0615-0B470E294074}"/>
+              </a:ext>
+            </a:extLst>
+          </p:cNvPr>
+          <p:cNvPicPr>
+            <a:picLocks noChangeAspect="1"/>
+          </p:cNvPicPr>
+          <p:nvPr/>
+        </p:nvPicPr>
+        <p:blipFill>
+          <a:blip r:embed="rId2">
+            <a:extLst>
+              <a:ext uri="{28A0092B-C50C-407E-A947-70E740481C1C}">
+                <a14:useLocalDpi xmlns:a14="http://schemas.microsoft.com/office/drawing/2010/main" val="0"/>
+              </a:ext>
+            </a:extLst>
+          </a:blip>
+          <a:stretch>
+            <a:fillRect/>
+          </a:stretch>
+        </p:blipFill>
+        <p:spPr>
+          <a:xfrm flipH="1">
+            <a:off x="1107540" y="64129"/>
+            <a:ext cx="751437" cy="751437"/>
+          </a:xfrm>
+          <a:prstGeom prst="rect">
+            <a:avLst/>
+          </a:prstGeom>
+        </p:spPr>
+      </p:pic>
+      <p:pic>
+        <p:nvPicPr>
+          <p:cNvPr id="23" name="Grafik 22" descr="Ein Bild, das Kreis, Farbigkeit, Geschirr enthält.&#10;&#10;Automatisch generierte Beschreibung">
+            <a:extLst>
+              <a:ext uri="{FF2B5EF4-FFF2-40B4-BE49-F238E27FC236}">
+                <a16:creationId xmlns:a16="http://schemas.microsoft.com/office/drawing/2014/main" id="{B826F6C2-0FA9-A706-3227-CD6513FA07B8}"/>
+              </a:ext>
+            </a:extLst>
+          </p:cNvPr>
+          <p:cNvPicPr>
+            <a:picLocks noChangeAspect="1"/>
+          </p:cNvPicPr>
+          <p:nvPr/>
+        </p:nvPicPr>
+        <p:blipFill>
+          <a:blip r:embed="rId2">
+            <a:extLst>
+              <a:ext uri="{28A0092B-C50C-407E-A947-70E740481C1C}">
+                <a14:useLocalDpi xmlns:a14="http://schemas.microsoft.com/office/drawing/2010/main" val="0"/>
+              </a:ext>
+            </a:extLst>
+          </a:blip>
+          <a:stretch>
+            <a:fillRect/>
+          </a:stretch>
+        </p:blipFill>
+        <p:spPr>
+          <a:xfrm flipH="1">
+            <a:off x="1849925" y="932508"/>
+            <a:ext cx="751437" cy="751437"/>
+          </a:xfrm>
+          <a:prstGeom prst="rect">
+            <a:avLst/>
+          </a:prstGeom>
+        </p:spPr>
+      </p:pic>
+      <p:pic>
+        <p:nvPicPr>
+          <p:cNvPr id="24" name="Grafik 23" descr="Ein Bild, das Kreis, Farbigkeit, Geschirr enthält.&#10;&#10;Automatisch generierte Beschreibung">
+            <a:extLst>
+              <a:ext uri="{FF2B5EF4-FFF2-40B4-BE49-F238E27FC236}">
+                <a16:creationId xmlns:a16="http://schemas.microsoft.com/office/drawing/2014/main" id="{75C59F93-B7CA-902B-0227-0390FA19B75A}"/>
+              </a:ext>
+            </a:extLst>
+          </p:cNvPr>
+          <p:cNvPicPr>
+            <a:picLocks noChangeAspect="1"/>
+          </p:cNvPicPr>
+          <p:nvPr/>
+        </p:nvPicPr>
+        <p:blipFill>
+          <a:blip r:embed="rId2">
+            <a:extLst>
+              <a:ext uri="{28A0092B-C50C-407E-A947-70E740481C1C}">
+                <a14:useLocalDpi xmlns:a14="http://schemas.microsoft.com/office/drawing/2010/main" val="0"/>
+              </a:ext>
+            </a:extLst>
+          </a:blip>
+          <a:stretch>
+            <a:fillRect/>
+          </a:stretch>
+        </p:blipFill>
+        <p:spPr>
+          <a:xfrm flipH="1">
+            <a:off x="1066800" y="1788059"/>
+            <a:ext cx="751437" cy="751437"/>
+          </a:xfrm>
+          <a:prstGeom prst="rect">
+            <a:avLst/>
+          </a:prstGeom>
+        </p:spPr>
+      </p:pic>
+      <p:pic>
+        <p:nvPicPr>
+          <p:cNvPr id="25" name="Grafik 24" descr="Ein Bild, das Kreis, Farbigkeit, Geschirr enthält.&#10;&#10;Automatisch generierte Beschreibung">
+            <a:extLst>
+              <a:ext uri="{FF2B5EF4-FFF2-40B4-BE49-F238E27FC236}">
+                <a16:creationId xmlns:a16="http://schemas.microsoft.com/office/drawing/2014/main" id="{0479A93F-D4A6-DFE1-6AF5-B48FBEF82DE0}"/>
+              </a:ext>
+            </a:extLst>
+          </p:cNvPr>
+          <p:cNvPicPr>
+            <a:picLocks noChangeAspect="1"/>
+          </p:cNvPicPr>
+          <p:nvPr/>
+        </p:nvPicPr>
+        <p:blipFill>
+          <a:blip r:embed="rId2">
+            <a:extLst>
+              <a:ext uri="{28A0092B-C50C-407E-A947-70E740481C1C}">
+                <a14:useLocalDpi xmlns:a14="http://schemas.microsoft.com/office/drawing/2010/main" val="0"/>
+              </a:ext>
+            </a:extLst>
+          </a:blip>
+          <a:stretch>
+            <a:fillRect/>
+          </a:stretch>
+        </p:blipFill>
+        <p:spPr>
+          <a:xfrm flipH="1">
+            <a:off x="2519881" y="1788059"/>
+            <a:ext cx="751437" cy="751437"/>
+          </a:xfrm>
+          <a:prstGeom prst="rect">
+            <a:avLst/>
+          </a:prstGeom>
+        </p:spPr>
+      </p:pic>
+      <p:pic>
+        <p:nvPicPr>
+          <p:cNvPr id="26" name="Grafik 25" descr="Ein Bild, das Kreis, Farbigkeit, Geschirr enthält.&#10;&#10;Automatisch generierte Beschreibung">
+            <a:extLst>
+              <a:ext uri="{FF2B5EF4-FFF2-40B4-BE49-F238E27FC236}">
+                <a16:creationId xmlns:a16="http://schemas.microsoft.com/office/drawing/2014/main" id="{5B17D540-8751-C52C-9517-F69965548752}"/>
+              </a:ext>
+            </a:extLst>
+          </p:cNvPr>
+          <p:cNvPicPr>
+            <a:picLocks noChangeAspect="1"/>
+          </p:cNvPicPr>
+          <p:nvPr/>
+        </p:nvPicPr>
+        <p:blipFill>
+          <a:blip r:embed="rId2">
+            <a:extLst>
+              <a:ext uri="{28A0092B-C50C-407E-A947-70E740481C1C}">
+                <a14:useLocalDpi xmlns:a14="http://schemas.microsoft.com/office/drawing/2010/main" val="0"/>
+              </a:ext>
+            </a:extLst>
+          </a:blip>
+          <a:stretch>
+            <a:fillRect/>
+          </a:stretch>
+        </p:blipFill>
+        <p:spPr>
+          <a:xfrm flipH="1">
+            <a:off x="2592309" y="76956"/>
+            <a:ext cx="751437" cy="751437"/>
+          </a:xfrm>
+          <a:prstGeom prst="rect">
+            <a:avLst/>
+          </a:prstGeom>
+        </p:spPr>
+      </p:pic>
+      <p:pic>
+        <p:nvPicPr>
+          <p:cNvPr id="27" name="Grafik 26" descr="Ein Bild, das Kreis, Farbigkeit, Geschirr enthält.&#10;&#10;Automatisch generierte Beschreibung">
+            <a:extLst>
+              <a:ext uri="{FF2B5EF4-FFF2-40B4-BE49-F238E27FC236}">
+                <a16:creationId xmlns:a16="http://schemas.microsoft.com/office/drawing/2014/main" id="{85AE4673-DEAE-3538-C0B5-07CCC84B98C2}"/>
+              </a:ext>
+            </a:extLst>
+          </p:cNvPr>
+          <p:cNvPicPr>
+            <a:picLocks noChangeAspect="1"/>
+          </p:cNvPicPr>
+          <p:nvPr/>
+        </p:nvPicPr>
+        <p:blipFill>
+          <a:blip r:embed="rId2">
+            <a:extLst>
+              <a:ext uri="{28A0092B-C50C-407E-A947-70E740481C1C}">
+                <a14:useLocalDpi xmlns:a14="http://schemas.microsoft.com/office/drawing/2010/main" val="0"/>
+              </a:ext>
+            </a:extLst>
+          </a:blip>
+          <a:stretch>
+            <a:fillRect/>
+          </a:stretch>
+        </p:blipFill>
+        <p:spPr>
+          <a:xfrm flipH="1">
+            <a:off x="3343746" y="932508"/>
+            <a:ext cx="751437" cy="751437"/>
+          </a:xfrm>
+          <a:prstGeom prst="rect">
+            <a:avLst/>
+          </a:prstGeom>
+        </p:spPr>
+      </p:pic>
+      <p:pic>
+        <p:nvPicPr>
+          <p:cNvPr id="28" name="Grafik 27" descr="Ein Bild, das Kreis, Farbigkeit, Geschirr enthält.&#10;&#10;Automatisch generierte Beschreibung">
+            <a:extLst>
+              <a:ext uri="{FF2B5EF4-FFF2-40B4-BE49-F238E27FC236}">
+                <a16:creationId xmlns:a16="http://schemas.microsoft.com/office/drawing/2014/main" id="{519695B3-1AC8-81DA-A9F3-D7E0C6FCAF66}"/>
+              </a:ext>
+            </a:extLst>
+          </p:cNvPr>
+          <p:cNvPicPr>
+            <a:picLocks noChangeAspect="1"/>
+          </p:cNvPicPr>
+          <p:nvPr/>
+        </p:nvPicPr>
+        <p:blipFill>
+          <a:blip r:embed="rId2">
+            <a:extLst>
+              <a:ext uri="{28A0092B-C50C-407E-A947-70E740481C1C}">
+                <a14:useLocalDpi xmlns:a14="http://schemas.microsoft.com/office/drawing/2010/main" val="0"/>
+              </a:ext>
+            </a:extLst>
+          </a:blip>
+          <a:stretch>
+            <a:fillRect/>
+          </a:stretch>
+        </p:blipFill>
+        <p:spPr>
+          <a:xfrm flipH="1">
+            <a:off x="4030299" y="1800887"/>
+            <a:ext cx="751437" cy="751437"/>
+          </a:xfrm>
+          <a:prstGeom prst="rect">
+            <a:avLst/>
+          </a:prstGeom>
+        </p:spPr>
+      </p:pic>
+      <p:sp>
+        <p:nvSpPr>
+          <p:cNvPr id="29" name="Textfeld 28">
+            <a:extLst>
+              <a:ext uri="{FF2B5EF4-FFF2-40B4-BE49-F238E27FC236}">
+                <a16:creationId xmlns:a16="http://schemas.microsoft.com/office/drawing/2014/main" id="{672A9ECC-EF92-252A-0F64-B3390B66734F}"/>
+              </a:ext>
+            </a:extLst>
+          </p:cNvPr>
+          <p:cNvSpPr txBox="1"/>
+          <p:nvPr/>
+        </p:nvSpPr>
+        <p:spPr>
+          <a:xfrm>
+            <a:off x="-9055" y="243866"/>
+            <a:ext cx="1351984" cy="369332"/>
+          </a:xfrm>
+          <a:prstGeom prst="rect">
+            <a:avLst/>
+          </a:prstGeom>
+          <a:noFill/>
+        </p:spPr>
+        <p:txBody>
+          <a:bodyPr wrap="square" rtlCol="0">
+            <a:spAutoFit/>
+          </a:bodyPr>
+          <a:lstStyle/>
+          <a:p>
+            <a:r>
+              <a:rPr lang="de-DE" dirty="0"/>
+              <a:t>Reihe 0</a:t>
+            </a:r>
+          </a:p>
+        </p:txBody>
+      </p:sp>
+      <p:sp>
+        <p:nvSpPr>
+          <p:cNvPr id="31" name="Textfeld 30">
+            <a:extLst>
+              <a:ext uri="{FF2B5EF4-FFF2-40B4-BE49-F238E27FC236}">
+                <a16:creationId xmlns:a16="http://schemas.microsoft.com/office/drawing/2014/main" id="{C7CD3D7D-D0A0-2BAA-CA2D-C40887E70F40}"/>
+              </a:ext>
+            </a:extLst>
+          </p:cNvPr>
+          <p:cNvSpPr txBox="1"/>
+          <p:nvPr/>
+        </p:nvSpPr>
+        <p:spPr>
+          <a:xfrm>
+            <a:off x="923455" y="3890150"/>
+            <a:ext cx="1351984" cy="369332"/>
+          </a:xfrm>
+          <a:prstGeom prst="rect">
+            <a:avLst/>
+          </a:prstGeom>
+          <a:noFill/>
+        </p:spPr>
+        <p:txBody>
+          <a:bodyPr wrap="square" rtlCol="0">
+            <a:spAutoFit/>
+          </a:bodyPr>
+          <a:lstStyle/>
+          <a:p>
+            <a:r>
+              <a:rPr lang="de-DE" dirty="0"/>
+              <a:t>Spalte 0</a:t>
+            </a:r>
+          </a:p>
+        </p:txBody>
+      </p:sp>
+      <p:sp>
+        <p:nvSpPr>
+          <p:cNvPr id="33" name="Textfeld 32">
+            <a:extLst>
+              <a:ext uri="{FF2B5EF4-FFF2-40B4-BE49-F238E27FC236}">
+                <a16:creationId xmlns:a16="http://schemas.microsoft.com/office/drawing/2014/main" id="{B35E25CE-313E-7A51-A776-3FA60DA5584D}"/>
+              </a:ext>
+            </a:extLst>
+          </p:cNvPr>
+          <p:cNvSpPr txBox="1"/>
+          <p:nvPr/>
+        </p:nvSpPr>
+        <p:spPr>
+          <a:xfrm>
+            <a:off x="1637168" y="4320538"/>
+            <a:ext cx="1351984" cy="369332"/>
+          </a:xfrm>
+          <a:prstGeom prst="rect">
+            <a:avLst/>
+          </a:prstGeom>
+          <a:noFill/>
+        </p:spPr>
+        <p:txBody>
+          <a:bodyPr wrap="square" rtlCol="0">
+            <a:spAutoFit/>
+          </a:bodyPr>
+          <a:lstStyle/>
+          <a:p>
+            <a:r>
+              <a:rPr lang="de-DE" dirty="0"/>
+              <a:t>Spalte 1</a:t>
+            </a:r>
+          </a:p>
+        </p:txBody>
+      </p:sp>
+      <p:sp>
+        <p:nvSpPr>
+          <p:cNvPr id="34" name="Textfeld 33">
+            <a:extLst>
+              <a:ext uri="{FF2B5EF4-FFF2-40B4-BE49-F238E27FC236}">
+                <a16:creationId xmlns:a16="http://schemas.microsoft.com/office/drawing/2014/main" id="{FE5174C9-0EE9-6808-C119-6B56153B4427}"/>
+              </a:ext>
+            </a:extLst>
+          </p:cNvPr>
+          <p:cNvSpPr txBox="1"/>
+          <p:nvPr/>
+        </p:nvSpPr>
+        <p:spPr>
+          <a:xfrm>
+            <a:off x="2447454" y="3890150"/>
+            <a:ext cx="1351984" cy="369332"/>
+          </a:xfrm>
+          <a:prstGeom prst="rect">
+            <a:avLst/>
+          </a:prstGeom>
+          <a:noFill/>
+        </p:spPr>
+        <p:txBody>
+          <a:bodyPr wrap="square" rtlCol="0">
+            <a:spAutoFit/>
+          </a:bodyPr>
+          <a:lstStyle/>
+          <a:p>
+            <a:r>
+              <a:rPr lang="de-DE" dirty="0"/>
+              <a:t>Spalte 2</a:t>
+            </a:r>
+          </a:p>
+        </p:txBody>
+      </p:sp>
+      <p:sp>
+        <p:nvSpPr>
+          <p:cNvPr id="35" name="Textfeld 34">
+            <a:extLst>
+              <a:ext uri="{FF2B5EF4-FFF2-40B4-BE49-F238E27FC236}">
+                <a16:creationId xmlns:a16="http://schemas.microsoft.com/office/drawing/2014/main" id="{C5F0DE67-835D-B479-87A9-0A51868BCBD7}"/>
+              </a:ext>
+            </a:extLst>
+          </p:cNvPr>
+          <p:cNvSpPr txBox="1"/>
+          <p:nvPr/>
+        </p:nvSpPr>
+        <p:spPr>
+          <a:xfrm>
+            <a:off x="152400" y="1101188"/>
+            <a:ext cx="1351984" cy="369332"/>
+          </a:xfrm>
+          <a:prstGeom prst="rect">
+            <a:avLst/>
+          </a:prstGeom>
+          <a:noFill/>
+        </p:spPr>
+        <p:txBody>
+          <a:bodyPr wrap="square" rtlCol="0">
+            <a:spAutoFit/>
+          </a:bodyPr>
+          <a:lstStyle/>
+          <a:p>
+            <a:r>
+              <a:rPr lang="de-DE" dirty="0"/>
+              <a:t>Reihe 1</a:t>
+            </a:r>
+          </a:p>
+        </p:txBody>
+      </p:sp>
+      <p:sp>
+        <p:nvSpPr>
+          <p:cNvPr id="36" name="Textfeld 35">
+            <a:extLst>
+              <a:ext uri="{FF2B5EF4-FFF2-40B4-BE49-F238E27FC236}">
+                <a16:creationId xmlns:a16="http://schemas.microsoft.com/office/drawing/2014/main" id="{BC32CF1A-9C1B-6AB1-6FC1-6DD13B8BBE51}"/>
+              </a:ext>
+            </a:extLst>
+          </p:cNvPr>
+          <p:cNvSpPr txBox="1"/>
+          <p:nvPr/>
+        </p:nvSpPr>
+        <p:spPr>
+          <a:xfrm>
+            <a:off x="3223788" y="4320538"/>
+            <a:ext cx="1351984" cy="369332"/>
+          </a:xfrm>
+          <a:prstGeom prst="rect">
+            <a:avLst/>
+          </a:prstGeom>
+          <a:noFill/>
+        </p:spPr>
+        <p:txBody>
+          <a:bodyPr wrap="square" rtlCol="0">
+            <a:spAutoFit/>
+          </a:bodyPr>
+          <a:lstStyle/>
+          <a:p>
+            <a:r>
+              <a:rPr lang="de-DE" dirty="0"/>
+              <a:t>Spalte 3</a:t>
+            </a:r>
+          </a:p>
+        </p:txBody>
+      </p:sp>
+      <p:sp>
+        <p:nvSpPr>
+          <p:cNvPr id="37" name="Textfeld 36">
+            <a:extLst>
+              <a:ext uri="{FF2B5EF4-FFF2-40B4-BE49-F238E27FC236}">
+                <a16:creationId xmlns:a16="http://schemas.microsoft.com/office/drawing/2014/main" id="{2C98581A-4309-39D0-C46B-8E27032E9452}"/>
+              </a:ext>
+            </a:extLst>
+          </p:cNvPr>
+          <p:cNvSpPr txBox="1"/>
+          <p:nvPr/>
+        </p:nvSpPr>
+        <p:spPr>
+          <a:xfrm>
+            <a:off x="7111497" y="3767435"/>
+            <a:ext cx="1351984" cy="369332"/>
+          </a:xfrm>
+          <a:prstGeom prst="rect">
+            <a:avLst/>
+          </a:prstGeom>
+          <a:noFill/>
+        </p:spPr>
+        <p:txBody>
+          <a:bodyPr wrap="square" rtlCol="0">
+            <a:spAutoFit/>
+          </a:bodyPr>
+          <a:lstStyle/>
+          <a:p>
+            <a:r>
+              <a:rPr lang="de-DE" dirty="0"/>
+              <a:t>Spalte 30</a:t>
+            </a:r>
+          </a:p>
+        </p:txBody>
+      </p:sp>
+      <p:sp>
+        <p:nvSpPr>
+          <p:cNvPr id="38" name="Textfeld 37">
+            <a:extLst>
+              <a:ext uri="{FF2B5EF4-FFF2-40B4-BE49-F238E27FC236}">
+                <a16:creationId xmlns:a16="http://schemas.microsoft.com/office/drawing/2014/main" id="{C65A405B-53D4-7B88-B19A-D4EEBE56101B}"/>
+              </a:ext>
+            </a:extLst>
+          </p:cNvPr>
+          <p:cNvSpPr txBox="1"/>
+          <p:nvPr/>
+        </p:nvSpPr>
+        <p:spPr>
+          <a:xfrm>
+            <a:off x="6283106" y="4259482"/>
+            <a:ext cx="1351984" cy="369332"/>
+          </a:xfrm>
+          <a:prstGeom prst="rect">
+            <a:avLst/>
+          </a:prstGeom>
+          <a:noFill/>
+        </p:spPr>
+        <p:txBody>
+          <a:bodyPr wrap="square" rtlCol="0">
+            <a:spAutoFit/>
+          </a:bodyPr>
+          <a:lstStyle/>
+          <a:p>
+            <a:r>
+              <a:rPr lang="de-DE" dirty="0"/>
+              <a:t>Spalte 29</a:t>
+            </a:r>
+          </a:p>
+        </p:txBody>
+      </p:sp>
+      <p:cxnSp>
+        <p:nvCxnSpPr>
+          <p:cNvPr id="39" name="Gerader Verbinder 38">
+            <a:extLst>
+              <a:ext uri="{FF2B5EF4-FFF2-40B4-BE49-F238E27FC236}">
+                <a16:creationId xmlns:a16="http://schemas.microsoft.com/office/drawing/2014/main" id="{27428EFA-097A-B2EA-CA75-3CD16D5A0EAD}"/>
+              </a:ext>
+            </a:extLst>
+          </p:cNvPr>
+          <p:cNvCxnSpPr/>
+          <p:nvPr/>
+        </p:nvCxnSpPr>
+        <p:spPr>
+          <a:xfrm>
+            <a:off x="7601893" y="-5772"/>
+            <a:ext cx="0" cy="4553893"/>
+          </a:xfrm>
+          <a:prstGeom prst="line">
+            <a:avLst/>
+          </a:prstGeom>
+        </p:spPr>
+        <p:style>
+          <a:lnRef idx="2">
+            <a:schemeClr val="accent2"/>
+          </a:lnRef>
+          <a:fillRef idx="0">
+            <a:schemeClr val="accent2"/>
+          </a:fillRef>
+          <a:effectRef idx="1">
+            <a:schemeClr val="accent2"/>
+          </a:effectRef>
+          <a:fontRef idx="minor">
+            <a:schemeClr val="tx1"/>
+          </a:fontRef>
+        </p:style>
+      </p:cxnSp>
+    </p:spTree>
+    <p:extLst>
+      <p:ext uri="{BB962C8B-B14F-4D97-AF65-F5344CB8AC3E}">
+        <p14:creationId xmlns:p14="http://schemas.microsoft.com/office/powerpoint/2010/main" val="348690806"/>
       </p:ext>
     </p:extLst>
   </p:cSld>

--- a/slides.pptx
+++ b/slides.pptx
@@ -9,6 +9,8 @@
     <p:sldId id="256" r:id="rId3"/>
     <p:sldId id="257" r:id="rId4"/>
     <p:sldId id="259" r:id="rId5"/>
+    <p:sldId id="261" r:id="rId6"/>
+    <p:sldId id="260" r:id="rId7"/>
   </p:sldIdLst>
   <p:sldSz cx="12192000" cy="6858000"/>
   <p:notesSz cx="6858000" cy="9144000"/>
@@ -107,7 +109,348 @@
       </a:defRPr>
     </a:lvl9pPr>
   </p:defaultTextStyle>
+  <p:extLst>
+    <p:ext uri="{EFAFB233-063F-42B5-8137-9DF3F51BA10A}">
+      <p15:sldGuideLst xmlns:p15="http://schemas.microsoft.com/office/powerpoint/2012/main"/>
+    </p:ext>
+  </p:extLst>
 </p:presentation>
+</file>
+
+<file path=ppt/ink/ink1.xml><?xml version="1.0" encoding="utf-8"?>
+<inkml:ink xmlns:inkml="http://www.w3.org/2003/InkML">
+  <inkml:definitions>
+    <inkml:context xml:id="ctx0">
+      <inkml:inkSource xml:id="inkSrc0">
+        <inkml:traceFormat>
+          <inkml:channel name="X" type="integer" min="-2.14748E9" max="2.14748E9" units="cm"/>
+          <inkml:channel name="Y" type="integer" min="-2.14748E9" max="2.14748E9" units="cm"/>
+          <inkml:channel name="F" type="integer" max="32767" units="dev"/>
+        </inkml:traceFormat>
+        <inkml:channelProperties>
+          <inkml:channelProperty channel="X" name="resolution" value="1000" units="1/cm"/>
+          <inkml:channelProperty channel="Y" name="resolution" value="1000" units="1/cm"/>
+          <inkml:channelProperty channel="F" name="resolution" value="0" units="1/dev"/>
+        </inkml:channelProperties>
+      </inkml:inkSource>
+      <inkml:timestamp xml:id="ts0" timeString="2024-12-06T11:31:10.892"/>
+    </inkml:context>
+    <inkml:brush xml:id="br0">
+      <inkml:brushProperty name="width" value="0.05" units="cm"/>
+      <inkml:brushProperty name="height" value="0.05" units="cm"/>
+      <inkml:brushProperty name="color" value="#E71224"/>
+    </inkml:brush>
+  </inkml:definitions>
+  <inkml:trace contextRef="#ctx0" brushRef="#br0">857 72 24575,'-5'-1'0,"-1"0"0,1 0 0,0 0 0,0-1 0,0 0 0,0 0 0,1 0 0,-1 0 0,-6-5 0,-15-6 0,0 4 0,0 1 0,0 2 0,-1 1 0,0 0 0,-27 1 0,-140 4 0,102 2 0,77-2 0,0 1 0,0 0 0,0 1 0,1 1 0,-1 0 0,1 1 0,0 1 0,0 0 0,0 1 0,-18 10 0,25-12 0,0 1 0,0 0 0,0 1 0,1 0 0,0 0 0,0 0 0,1 1 0,0-1 0,0 1 0,0 0 0,1 1 0,0-1 0,1 1 0,-1 0 0,2 0 0,-1 0 0,1 0 0,0 0 0,-1 15 0,-6 59 0,-14 232 0,23-270 0,2 0 0,2 0 0,2-1 0,2 1 0,16 49 0,-12-54 0,1 0 0,3-1 0,1-1 0,27 45 0,-36-69 0,1-2 0,0 1 0,0-1 0,1 0 0,0-1 0,1 0 0,1-1 0,-1 0 0,1-1 0,0 0 0,1-1 0,0-1 0,0 1 0,1-2 0,22 6 0,4-2 0,2-3 0,-1-1 0,49-1 0,127-12 0,-183 4 0,-1-1 0,1-2 0,-1-1 0,-1-1 0,0-2 0,0-2 0,32-17 0,-25 9 0,-1-2 0,-1-2 0,-1-1 0,64-60 0,-82 66 0,0-1 0,-2-1 0,0 0 0,-2-1 0,0 0 0,-1-2 0,-2 1 0,17-53 0,-17 41 0,-2-1 0,-2 0 0,-2 0 0,-1 0 0,-1-73 0,-3 102 0,-1 0 0,0 0 0,0 0 0,0 1 0,-1-1 0,-1 0 0,1 1 0,-1 0 0,0-1 0,-1 1 0,1 0 0,-1 0 0,-1 1 0,-9-12 0,5 10 0,0 0 0,0 1 0,-1 1 0,0-1 0,0 2 0,0-1 0,-1 1 0,1 1 0,-20-6 0,-55-14-273,-1 2 0,-1 5 0,0 4 0,-155-5 0,205 18-6553</inkml:trace>
+</inkml:ink>
+</file>
+
+<file path=ppt/ink/ink10.xml><?xml version="1.0" encoding="utf-8"?>
+<inkml:ink xmlns:inkml="http://www.w3.org/2003/InkML">
+  <inkml:definitions>
+    <inkml:context xml:id="ctx0">
+      <inkml:inkSource xml:id="inkSrc0">
+        <inkml:traceFormat>
+          <inkml:channel name="X" type="integer" min="-2.14748E9" max="2.14748E9" units="cm"/>
+          <inkml:channel name="Y" type="integer" min="-2.14748E9" max="2.14748E9" units="cm"/>
+          <inkml:channel name="F" type="integer" max="32767" units="dev"/>
+        </inkml:traceFormat>
+        <inkml:channelProperties>
+          <inkml:channelProperty channel="X" name="resolution" value="1000" units="1/cm"/>
+          <inkml:channelProperty channel="Y" name="resolution" value="1000" units="1/cm"/>
+          <inkml:channelProperty channel="F" name="resolution" value="0" units="1/dev"/>
+        </inkml:channelProperties>
+      </inkml:inkSource>
+      <inkml:timestamp xml:id="ts0" timeString="2024-12-06T11:31:24.306"/>
+    </inkml:context>
+    <inkml:brush xml:id="br0">
+      <inkml:brushProperty name="width" value="0.05" units="cm"/>
+      <inkml:brushProperty name="height" value="0.05" units="cm"/>
+      <inkml:brushProperty name="color" value="#E71224"/>
+    </inkml:brush>
+  </inkml:definitions>
+  <inkml:trace contextRef="#ctx0" brushRef="#br0">244 1105 24575,'-10'1'0,"1"0"0,-1 1 0,1 0 0,0 0 0,0 1 0,0 0 0,0 1 0,0 0 0,0 0 0,1 1 0,0 0 0,0 1 0,0 0 0,1 0 0,0 1 0,0-1 0,1 1 0,0 1 0,0-1 0,0 1 0,-7 15 0,4-7 0,0 0 0,1 1 0,1 0 0,1 0 0,0 1 0,2-1 0,0 1 0,0 0 0,2 1 0,-1 28 0,3-44 0,0 0 0,0 0 0,0 0 0,1 0 0,-1 0 0,1-1 0,0 1 0,0 0 0,-1 0 0,2-1 0,-1 1 0,0 0 0,1-1 0,-1 1 0,1-1 0,0 0 0,-1 1 0,1-1 0,0 0 0,1 0 0,-1 0 0,0 0 0,1-1 0,-1 1 0,1-1 0,-1 1 0,1-1 0,-1 0 0,1 0 0,0 0 0,0 0 0,0-1 0,0 1 0,-1-1 0,1 1 0,0-1 0,0 0 0,0 0 0,0 0 0,0-1 0,4 0 0,11-2 0,0-1 0,-1 0 0,1-1 0,-1-1 0,21-10 0,12-8 0,-2-3 0,-1-2 0,-1-2 0,-1-1 0,-2-3 0,-2-1 0,-1-3 0,-2-1 0,53-70 0,-38 34 0,-3-1 0,-4-3 0,-3-2 0,63-169 0,-73 159 0,39-116 0,-60 168 0,-2-1 0,-2 0 0,3-45 0,-62 518 0,-5 59 0,55-466 0,-4 58 0,11 144 0,-3-201 0,1 0 0,1 0 0,2-1 0,0 1 0,1-1 0,2-1 0,1 0 0,0 0 0,25 36 0,-17-33 40,1-1 0,41 40 0,-56-60-127,1 0-1,0-1 1,1 0 0,-1 0-1,1 0 1,0-1 0,0 0-1,0-1 1,1 1-1,-1-1 1,1-1 0,0 1-1,0-1 1,0-1 0,0 0-1,13 1 1,2-6-6739</inkml:trace>
+</inkml:ink>
+</file>
+
+<file path=ppt/ink/ink11.xml><?xml version="1.0" encoding="utf-8"?>
+<inkml:ink xmlns:inkml="http://www.w3.org/2003/InkML">
+  <inkml:definitions>
+    <inkml:context xml:id="ctx0">
+      <inkml:inkSource xml:id="inkSrc0">
+        <inkml:traceFormat>
+          <inkml:channel name="X" type="integer" min="-2.14748E9" max="2.14748E9" units="cm"/>
+          <inkml:channel name="Y" type="integer" min="-2.14748E9" max="2.14748E9" units="cm"/>
+          <inkml:channel name="F" type="integer" max="32767" units="dev"/>
+        </inkml:traceFormat>
+        <inkml:channelProperties>
+          <inkml:channelProperty channel="X" name="resolution" value="1000" units="1/cm"/>
+          <inkml:channelProperty channel="Y" name="resolution" value="1000" units="1/cm"/>
+          <inkml:channelProperty channel="F" name="resolution" value="0" units="1/dev"/>
+        </inkml:channelProperties>
+      </inkml:inkSource>
+      <inkml:timestamp xml:id="ts0" timeString="2024-12-06T11:31:25.186"/>
+    </inkml:context>
+    <inkml:brush xml:id="br0">
+      <inkml:brushProperty name="width" value="0.05" units="cm"/>
+      <inkml:brushProperty name="height" value="0.05" units="cm"/>
+      <inkml:brushProperty name="color" value="#E71224"/>
+    </inkml:brush>
+  </inkml:definitions>
+  <inkml:trace contextRef="#ctx0" brushRef="#br0">31 563 24575,'-1'5'0,"0"1"0,0-1 0,0 1 0,0-1 0,-1 0 0,-2 6 0,-6 20 0,7-13 0,0 0 0,1 1 0,1 0 0,1-1 0,4 38 0,-3-50 0,0 0 0,0-1 0,1 1 0,-1 0 0,1-1 0,1 1 0,-1-1 0,1 0 0,0 0 0,0 0 0,0 0 0,1 0 0,-1-1 0,1 1 0,1-1 0,-1 0 0,0 0 0,1-1 0,0 1 0,0-1 0,0 0 0,0 0 0,7 2 0,2-1 0,0 0 0,1-1 0,0-1 0,-1 0 0,1-1 0,0-1 0,0 0 0,0-1 0,0-1 0,-1 0 0,1-1 0,-1-1 0,1 0 0,-1 0 0,0-2 0,-1 0 0,1 0 0,-1-2 0,-1 1 0,1-1 0,-1-1 0,-1 0 0,0-1 0,0-1 0,-1 1 0,0-1 0,16-25 0,-1-3 0,-2 0 0,-2-2 0,-2 0 0,-1-1 0,-2-1 0,-3-1 0,-1 0 0,-2-1 0,-2 0 0,-2 0 0,-2 0 0,-2-1 0,-4-49 0,2 91 0,-1 0 0,1-1 0,-1 1 0,1 0 0,-1 0 0,0-1 0,-1 1 0,1 0 0,-1 0 0,0 0 0,0 0 0,0 1 0,-1-1 0,1 1 0,-1-1 0,0 1 0,0 0 0,0 0 0,-6-5 0,3 5 0,-1 0 0,0 0 0,0 0 0,0 1 0,0 0 0,-1 0 0,1 1 0,-1 0 0,1 1 0,-14 0 0,-5 0-124,1 2 0,0 0 0,0 2 0,0 1 0,1 1 0,-1 1-1,1 1 1,1 1 0,0 1 0,-24 14 0,2 3-6702</inkml:trace>
+</inkml:ink>
+</file>
+
+<file path=ppt/ink/ink12.xml><?xml version="1.0" encoding="utf-8"?>
+<inkml:ink xmlns:inkml="http://www.w3.org/2003/InkML">
+  <inkml:definitions>
+    <inkml:context xml:id="ctx0">
+      <inkml:inkSource xml:id="inkSrc0">
+        <inkml:traceFormat>
+          <inkml:channel name="X" type="integer" min="-2.14748E9" max="2.14748E9" units="cm"/>
+          <inkml:channel name="Y" type="integer" min="-2.14748E9" max="2.14748E9" units="cm"/>
+          <inkml:channel name="F" type="integer" max="32767" units="dev"/>
+        </inkml:traceFormat>
+        <inkml:channelProperties>
+          <inkml:channelProperty channel="X" name="resolution" value="1000" units="1/cm"/>
+          <inkml:channelProperty channel="Y" name="resolution" value="1000" units="1/cm"/>
+          <inkml:channelProperty channel="F" name="resolution" value="0" units="1/dev"/>
+        </inkml:channelProperties>
+      </inkml:inkSource>
+      <inkml:timestamp xml:id="ts0" timeString="2024-12-06T11:31:26.426"/>
+    </inkml:context>
+    <inkml:brush xml:id="br0">
+      <inkml:brushProperty name="width" value="0.05" units="cm"/>
+      <inkml:brushProperty name="height" value="0.05" units="cm"/>
+      <inkml:brushProperty name="color" value="#E71224"/>
+    </inkml:brush>
+  </inkml:definitions>
+  <inkml:trace contextRef="#ctx0" brushRef="#br0">2 28 24575,'-1'122'0,"3"131"0,3-218 0,-5-34 0,0-1 0,0 0 0,0 0 0,0 0 0,0 0 0,0 0 0,0 1 0,0-1 0,0 0 0,0 0 0,0 0 0,0 0 0,0 0 0,0 1 0,0-1 0,0 0 0,1 0 0,-1 0 0,0 0 0,0 0 0,0 0 0,0 0 0,0 1 0,0-1 0,0 0 0,0 0 0,0 0 0,1 0 0,-1 0 0,0 0 0,0 0 0,0 0 0,0 0 0,0 0 0,1 0 0,-1 1 0,0-1 0,0 0 0,0 0 0,0 0 0,0 0 0,1 0 0,-1 0 0,0 0 0,0 0 0,0 0 0,0 0 0,0-1 0,0 1 0,1 0 0,-1 0 0,0 0 0,0 0 0,0 0 0,0 0 0,0 0 0,1 0 0,-1 0 0,0 0 0,0 0 0,0-1 0,0 1 0,0 0 0,0 0 0,8-15 0,5-26 0,-12 38 0,19-59 0,3 1 0,3 1 0,39-69 0,-62 124 0,-1 1 0,1-1 0,0 0 0,0 1 0,1 0 0,-1 0 0,1 0 0,0 0 0,0 1 0,0-1 0,1 1 0,-1 0 0,1 0 0,0 1 0,0-1 0,0 1 0,0 0 0,0 1 0,9-3 0,-8 4 0,0 0 0,1 0 0,-1 0 0,0 1 0,0 0 0,0 0 0,0 1 0,0 0 0,0 0 0,0 0 0,0 1 0,0-1 0,-1 1 0,0 1 0,1-1 0,6 7 0,-3-2 0,-1 0 0,1 1 0,-1 0 0,-1 1 0,0 0 0,0 0 0,-1 0 0,0 1 0,-1 0 0,0 0 0,0 1 0,4 22 0,0 9 0,-1 1 0,1 52 0,-6-53 0,-3-40 0,0 1 0,1 0 0,-1-1 0,1 1 0,-1-1 0,1 1 0,0-1 0,1 1 0,-1-1 0,0 0 0,1 1 0,0-1 0,4 5 0,-6-7 0,1 0 0,0-1 0,0 0 0,-1 1 0,1-1 0,0 1 0,0-1 0,0 0 0,0 0 0,-1 1 0,1-1 0,0 0 0,0 0 0,0 0 0,0 0 0,0 0 0,0 0 0,-1 0 0,1 0 0,0-1 0,1 1 0,28-19 0,12-23 0,57-72 0,-68 76 0,1 1 0,2 1 0,46-37 0,-73 67 0,0 1 0,0 0 0,0 0 0,1 1 0,0 0 0,0 1 0,0-1 0,0 2 0,0-1 0,1 1 0,-1 0 0,1 1 0,11-1 0,-15 2 0,0 1 0,-1 0 0,1 0 0,-1 0 0,0 0 0,1 1 0,-1-1 0,0 1 0,0 0 0,0 1 0,0-1 0,0 1 0,0-1 0,-1 1 0,1 0 0,-1 1 0,0-1 0,0 0 0,0 1 0,0 0 0,-1 0 0,1 0 0,-1 0 0,0 0 0,0 0 0,1 6 0,20 75-1365,-14-42-5461</inkml:trace>
+</inkml:ink>
+</file>
+
+<file path=ppt/ink/ink2.xml><?xml version="1.0" encoding="utf-8"?>
+<inkml:ink xmlns:inkml="http://www.w3.org/2003/InkML">
+  <inkml:definitions>
+    <inkml:context xml:id="ctx0">
+      <inkml:inkSource xml:id="inkSrc0">
+        <inkml:traceFormat>
+          <inkml:channel name="X" type="integer" min="-2.14748E9" max="2.14748E9" units="cm"/>
+          <inkml:channel name="Y" type="integer" min="-2.14748E9" max="2.14748E9" units="cm"/>
+          <inkml:channel name="F" type="integer" max="32767" units="dev"/>
+        </inkml:traceFormat>
+        <inkml:channelProperties>
+          <inkml:channelProperty channel="X" name="resolution" value="1000" units="1/cm"/>
+          <inkml:channelProperty channel="Y" name="resolution" value="1000" units="1/cm"/>
+          <inkml:channelProperty channel="F" name="resolution" value="0" units="1/dev"/>
+        </inkml:channelProperties>
+      </inkml:inkSource>
+      <inkml:timestamp xml:id="ts0" timeString="2024-12-06T11:31:12.707"/>
+    </inkml:context>
+    <inkml:brush xml:id="br0">
+      <inkml:brushProperty name="width" value="0.05" units="cm"/>
+      <inkml:brushProperty name="height" value="0.05" units="cm"/>
+      <inkml:brushProperty name="color" value="#E71224"/>
+    </inkml:brush>
+  </inkml:definitions>
+  <inkml:trace contextRef="#ctx0" brushRef="#br0">1451 178 24575,'-1'-2'0,"-1"0"0,1 0 0,0 0 0,-1 0 0,1 1 0,-1-1 0,0 0 0,0 1 0,1 0 0,-1-1 0,0 1 0,0 0 0,0 0 0,0 0 0,-1 0 0,1 0 0,-3 0 0,3 0 0,-38-13 0,-1 1 0,-1 2 0,-50-6 0,-35-9 0,-139-30 0,215 49 0,0 3 0,-1 1 0,-64 7 0,99-2 0,1 1 0,0 1 0,0 1 0,0 0 0,1 1 0,-23 12 0,-83 54 0,106-62 0,1 2 0,0 0 0,0 0 0,2 1 0,-15 19 0,-51 80 0,45-62 0,23-35 0,1 1 0,0 0 0,2 1 0,0 0 0,0 0 0,2 1 0,0-1 0,1 1 0,-2 26 0,3 3 0,2-1 0,7 72 0,-4-104 0,0 0 0,1-1 0,0 1 0,1 0 0,1-1 0,0 0 0,1 0 0,0 0 0,10 14 0,-3-8 0,1-2 0,0 0 0,1 0 0,1-1 0,21 16 0,18 8 0,1-3 0,114 54 0,-166-88 0,67 31 0,1-2 0,99 28 0,-123-47 0,1-2 0,0-2 0,1-2 0,91 0 0,-125-7 0,31-1 0,81-10 0,-112 8 0,0-1 0,0 0 0,-1-1 0,0-1 0,0 0 0,0-1 0,-1-1 0,26-18 0,-23 12 0,-1-1 0,-1-1 0,0 0 0,-1-1 0,-1 0 0,-1-1 0,0-1 0,-1 0 0,-1 0 0,-1-1 0,-1 0 0,-1-1 0,8-36 0,-5 8 0,-2-2 0,-2 1 0,-2-1 0,-6-92 0,-1 100 0,-2 0 0,-2 1 0,-25-81 0,24 100 0,-1-1 0,-1 1 0,-1 0 0,-1 1 0,-1 0 0,-1 1 0,-1 1 0,-17-19 0,21 28-124,0 2 0,0 0 0,-1 0 0,0 1 0,0 0 0,-1 1-1,0 0 1,-1 1 0,1 1 0,-24-6 0,1 2-6702</inkml:trace>
+</inkml:ink>
+</file>
+
+<file path=ppt/ink/ink3.xml><?xml version="1.0" encoding="utf-8"?>
+<inkml:ink xmlns:inkml="http://www.w3.org/2003/InkML">
+  <inkml:definitions>
+    <inkml:context xml:id="ctx0">
+      <inkml:inkSource xml:id="inkSrc0">
+        <inkml:traceFormat>
+          <inkml:channel name="X" type="integer" min="-2.14748E9" max="2.14748E9" units="cm"/>
+          <inkml:channel name="Y" type="integer" min="-2.14748E9" max="2.14748E9" units="cm"/>
+          <inkml:channel name="F" type="integer" max="32767" units="dev"/>
+        </inkml:traceFormat>
+        <inkml:channelProperties>
+          <inkml:channelProperty channel="X" name="resolution" value="1000" units="1/cm"/>
+          <inkml:channelProperty channel="Y" name="resolution" value="1000" units="1/cm"/>
+          <inkml:channelProperty channel="F" name="resolution" value="0" units="1/dev"/>
+        </inkml:channelProperties>
+      </inkml:inkSource>
+      <inkml:timestamp xml:id="ts0" timeString="2024-12-06T11:31:15.858"/>
+    </inkml:context>
+    <inkml:brush xml:id="br0">
+      <inkml:brushProperty name="width" value="0.05" units="cm"/>
+      <inkml:brushProperty name="height" value="0.05" units="cm"/>
+      <inkml:brushProperty name="color" value="#E71224"/>
+    </inkml:brush>
+  </inkml:definitions>
+  <inkml:trace contextRef="#ctx0" brushRef="#br0">1389 218 24575,'-1'2'0,"1"0"0,-1 0 0,0 0 0,1-1 0,-1 1 0,0 0 0,0 0 0,0-1 0,0 1 0,-1-1 0,1 1 0,0-1 0,-1 0 0,1 1 0,-1-1 0,1 0 0,-4 2 0,-38 22 0,26-16 0,-52 29 0,-77 28 0,90-41 0,-13 4 0,-86 26 0,118-45 0,0-2 0,0-1 0,-1-2 0,-50 1 0,39-6 0,18 2 0,1-2 0,0-1 0,-56-10 0,77 9 0,0 0 0,1-1 0,0 0 0,-1 0 0,1-1 0,0 0 0,1-1 0,-1 1 0,1-2 0,0 1 0,0-1 0,0 0 0,1 0 0,0-1 0,0 1 0,1-1 0,-9-15 0,-143-292-276,122 242-813,19 39-5737</inkml:trace>
+</inkml:ink>
+</file>
+
+<file path=ppt/ink/ink4.xml><?xml version="1.0" encoding="utf-8"?>
+<inkml:ink xmlns:inkml="http://www.w3.org/2003/InkML">
+  <inkml:definitions>
+    <inkml:context xml:id="ctx0">
+      <inkml:inkSource xml:id="inkSrc0">
+        <inkml:traceFormat>
+          <inkml:channel name="X" type="integer" min="-2.14748E9" max="2.14748E9" units="cm"/>
+          <inkml:channel name="Y" type="integer" min="-2.14748E9" max="2.14748E9" units="cm"/>
+          <inkml:channel name="F" type="integer" max="32767" units="dev"/>
+        </inkml:traceFormat>
+        <inkml:channelProperties>
+          <inkml:channelProperty channel="X" name="resolution" value="1000" units="1/cm"/>
+          <inkml:channelProperty channel="Y" name="resolution" value="1000" units="1/cm"/>
+          <inkml:channelProperty channel="F" name="resolution" value="0" units="1/dev"/>
+        </inkml:channelProperties>
+      </inkml:inkSource>
+      <inkml:timestamp xml:id="ts0" timeString="2024-12-06T11:31:16.707"/>
+    </inkml:context>
+    <inkml:brush xml:id="br0">
+      <inkml:brushProperty name="width" value="0.05" units="cm"/>
+      <inkml:brushProperty name="height" value="0.05" units="cm"/>
+      <inkml:brushProperty name="color" value="#E71224"/>
+    </inkml:brush>
+  </inkml:definitions>
+  <inkml:trace contextRef="#ctx0" brushRef="#br0">139 128 24575,'-2'1'0,"0"-1"0,-1 1 0,1 0 0,0-1 0,0 1 0,0 0 0,0 1 0,0-1 0,0 0 0,0 0 0,0 1 0,0-1 0,1 1 0,-1 0 0,1 0 0,-3 2 0,-26 39 0,19-26 0,1-2 0,2 0 0,0 0 0,1 1 0,1 0 0,0 0 0,1 1 0,0 0 0,-3 31 0,42-163 0,-23 73 0,-2 2 0,17-42 0,-23 73 0,0 0 0,1 1 0,0 0 0,1 0 0,0 0 0,0 0 0,0 1 0,1 0 0,0 0 0,13-10 0,-17 15 0,1 1 0,0 0 0,1-1 0,-1 1 0,0 0 0,0 0 0,0 1 0,1-1 0,-1 1 0,0 0 0,1 0 0,-1 0 0,0 0 0,1 0 0,-1 1 0,0-1 0,0 1 0,1 0 0,-1 0 0,0 0 0,0 0 0,0 1 0,0-1 0,0 1 0,4 3 0,9 6 0,-1 0 0,0 1 0,15 17 0,-22-22 0,20 20-119,-6-5-130,0 0-1,2-2 1,0-1 0,50 31 0,-41-36-6577</inkml:trace>
+</inkml:ink>
+</file>
+
+<file path=ppt/ink/ink5.xml><?xml version="1.0" encoding="utf-8"?>
+<inkml:ink xmlns:inkml="http://www.w3.org/2003/InkML">
+  <inkml:definitions>
+    <inkml:context xml:id="ctx0">
+      <inkml:inkSource xml:id="inkSrc0">
+        <inkml:traceFormat>
+          <inkml:channel name="X" type="integer" min="-2.14748E9" max="2.14748E9" units="cm"/>
+          <inkml:channel name="Y" type="integer" min="-2.14748E9" max="2.14748E9" units="cm"/>
+          <inkml:channel name="F" type="integer" max="32767" units="dev"/>
+        </inkml:traceFormat>
+        <inkml:channelProperties>
+          <inkml:channelProperty channel="X" name="resolution" value="1000" units="1/cm"/>
+          <inkml:channelProperty channel="Y" name="resolution" value="1000" units="1/cm"/>
+          <inkml:channelProperty channel="F" name="resolution" value="0" units="1/dev"/>
+        </inkml:channelProperties>
+      </inkml:inkSource>
+      <inkml:timestamp xml:id="ts0" timeString="2024-12-06T11:31:17.987"/>
+    </inkml:context>
+    <inkml:brush xml:id="br0">
+      <inkml:brushProperty name="width" value="0.05" units="cm"/>
+      <inkml:brushProperty name="height" value="0.05" units="cm"/>
+      <inkml:brushProperty name="color" value="#E71224"/>
+    </inkml:brush>
+  </inkml:definitions>
+  <inkml:trace contextRef="#ctx0" brushRef="#br0">1 653 24575,'11'1'0,"1"0"0,-1 0 0,1 1 0,-1 1 0,0 0 0,0 1 0,0 0 0,-1 0 0,1 1 0,-1 1 0,17 11 0,6 8 0,58 57 0,-39-34 0,6 4 0,98 67 0,-132-104 0,0-1 0,1-1 0,0-1 0,1-1 0,1-1 0,-1-2 0,49 9 0,-64-16 0,1 0 0,-1-2 0,1 1 0,-1-1 0,0-1 0,1 0 0,-1-1 0,0 0 0,0-1 0,-1 0 0,1 0 0,-1-1 0,0-1 0,0 0 0,0 0 0,-1-1 0,11-10 0,15-14 0,0-3 0,50-65 0,-80 94 0,38-46 0,-3-1 0,-2-2 0,-2-2 0,-2-1 0,-3-2 0,27-73 0,-37 71 0,-3-1 0,-2 0 0,13-111 0,-24 133-1365,2 7-5461</inkml:trace>
+</inkml:ink>
+</file>
+
+<file path=ppt/ink/ink6.xml><?xml version="1.0" encoding="utf-8"?>
+<inkml:ink xmlns:inkml="http://www.w3.org/2003/InkML">
+  <inkml:definitions>
+    <inkml:context xml:id="ctx0">
+      <inkml:inkSource xml:id="inkSrc0">
+        <inkml:traceFormat>
+          <inkml:channel name="X" type="integer" min="-2.14748E9" max="2.14748E9" units="cm"/>
+          <inkml:channel name="Y" type="integer" min="-2.14748E9" max="2.14748E9" units="cm"/>
+          <inkml:channel name="F" type="integer" max="32767" units="dev"/>
+        </inkml:traceFormat>
+        <inkml:channelProperties>
+          <inkml:channelProperty channel="X" name="resolution" value="1000" units="1/cm"/>
+          <inkml:channelProperty channel="Y" name="resolution" value="1000" units="1/cm"/>
+          <inkml:channelProperty channel="F" name="resolution" value="0" units="1/dev"/>
+        </inkml:channelProperties>
+      </inkml:inkSource>
+      <inkml:timestamp xml:id="ts0" timeString="2024-12-06T11:31:18.891"/>
+    </inkml:context>
+    <inkml:brush xml:id="br0">
+      <inkml:brushProperty name="width" value="0.05" units="cm"/>
+      <inkml:brushProperty name="height" value="0.05" units="cm"/>
+      <inkml:brushProperty name="color" value="#E71224"/>
+    </inkml:brush>
+  </inkml:definitions>
+  <inkml:trace contextRef="#ctx0" brushRef="#br0">532 0 24575,'-4'1'0,"0"0"0,0 0 0,0 0 0,0 1 0,0-1 0,0 1 0,1 0 0,-1 0 0,1 0 0,-1 1 0,-3 2 0,-13 8 0,-39 19 0,-19 9 0,-78 56 0,116-68 0,2-1 0,-54 31 0,130-82 0,33-17 0,-64 37 0,47-19 0,88-26 0,-125 44 0,0 0 0,0 1 0,1 1 0,-1 1 0,1 0 0,-1 1 0,1 1 0,-1 1 0,31 7 0,-30-4 10,-1 1 0,0 1 0,0 0 0,-1 1 0,0 1 0,0 0 0,-1 1 0,0 1 0,-1 1 0,0 0 0,20 23 0,-16-12-222,-1 0 0,-1 2 0,-1-1-1,-2 2 1,0 0 0,15 45 0,-12-22-6614</inkml:trace>
+</inkml:ink>
+</file>
+
+<file path=ppt/ink/ink7.xml><?xml version="1.0" encoding="utf-8"?>
+<inkml:ink xmlns:inkml="http://www.w3.org/2003/InkML">
+  <inkml:definitions>
+    <inkml:context xml:id="ctx0">
+      <inkml:inkSource xml:id="inkSrc0">
+        <inkml:traceFormat>
+          <inkml:channel name="X" type="integer" min="-2.14748E9" max="2.14748E9" units="cm"/>
+          <inkml:channel name="Y" type="integer" min="-2.14748E9" max="2.14748E9" units="cm"/>
+          <inkml:channel name="F" type="integer" max="32767" units="dev"/>
+        </inkml:traceFormat>
+        <inkml:channelProperties>
+          <inkml:channelProperty channel="X" name="resolution" value="1000" units="1/cm"/>
+          <inkml:channelProperty channel="Y" name="resolution" value="1000" units="1/cm"/>
+          <inkml:channelProperty channel="F" name="resolution" value="0" units="1/dev"/>
+        </inkml:channelProperties>
+      </inkml:inkSource>
+      <inkml:timestamp xml:id="ts0" timeString="2024-12-06T11:31:21.257"/>
+    </inkml:context>
+    <inkml:brush xml:id="br0">
+      <inkml:brushProperty name="width" value="0.05" units="cm"/>
+      <inkml:brushProperty name="height" value="0.05" units="cm"/>
+      <inkml:brushProperty name="color" value="#E71224"/>
+    </inkml:brush>
+  </inkml:definitions>
+  <inkml:trace contextRef="#ctx0" brushRef="#br0">1 625 24575,'12'14'0,"-1"0"0,0 1 0,-1 1 0,0 0 0,-2 0 0,14 34 0,-2-4 0,4 12 0,9 17 0,-33-75 0,0 0 0,0 0 0,0 0 0,0 0 0,1 0 0,-1-1 0,0 1 0,0 0 0,0 0 0,0 0 0,0 0 0,0 0 0,0-1 0,0 1 0,1 0 0,-1 0 0,0 0 0,0 0 0,0 0 0,0 0 0,0 0 0,1 0 0,-1 0 0,0 0 0,0 0 0,0-1 0,0 1 0,0 0 0,1 0 0,-1 0 0,0 0 0,0 0 0,0 0 0,0 0 0,1 0 0,-1 0 0,0 1 0,0-1 0,0 0 0,0 0 0,1 0 0,-1 0 0,0 0 0,0 0 0,0 0 0,0 0 0,0 0 0,0 0 0,1 0 0,-1 1 0,0-1 0,-1-21 0,-26-125 0,-75-490 0,102 631 0,-1 0 0,1 0 0,-1 0 0,2 0 0,-1-1 0,0 1 0,1 0 0,0 0 0,0 1 0,1-1 0,-1 0 0,1 0 0,0 1 0,0-1 0,1 1 0,-1-1 0,1 1 0,6-7 0,-4 6 0,0 1 0,1 0 0,-1 0 0,1 1 0,0-1 0,0 1 0,0 1 0,0-1 0,0 1 0,1 0 0,-1 1 0,1-1 0,12 0 0,3 1 0,0 0 0,0 2 0,0 1 0,0 0 0,0 2 0,-1 0 0,1 1 0,-1 2 0,0 0 0,-1 1 0,0 1 0,0 1 0,-1 1 0,33 23 0,-17-6 0,-1 0 0,-1 3 0,-2 0 0,-1 2 0,-2 1 0,32 50 0,-50-69 0,-1 1 0,0 0 0,-1 0 0,-1 0 0,0 1 0,-2 0 0,0 0 0,-1 1 0,0 0 0,-2 0 0,0-1 0,-1 1 0,0 0 0,-4 30 0,1-41 0,0 0 0,0 0 0,-1 0 0,0 0 0,0 0 0,0 0 0,-1-1 0,0 1 0,-7 6 0,6-6 0,1-1 0,-1 1 0,1 0 0,0 0 0,1 0 0,0 1 0,0-1 0,-3 13 0,5-10 7,0-1 0,1 0-1,0 0 1,0 1 0,1-1-1,0 0 1,1 0-1,0 0 1,1 0 0,0 0-1,0 0 1,1-1 0,0 0-1,0 1 1,1-1 0,0-1-1,11 14 1,0-3-255,1-1 1,0 0-1,2-1 1,0-1-1,35 21 1,-19-16-6579</inkml:trace>
+</inkml:ink>
+</file>
+
+<file path=ppt/ink/ink8.xml><?xml version="1.0" encoding="utf-8"?>
+<inkml:ink xmlns:inkml="http://www.w3.org/2003/InkML">
+  <inkml:definitions>
+    <inkml:context xml:id="ctx0">
+      <inkml:inkSource xml:id="inkSrc0">
+        <inkml:traceFormat>
+          <inkml:channel name="X" type="integer" min="-2.14748E9" max="2.14748E9" units="cm"/>
+          <inkml:channel name="Y" type="integer" min="-2.14748E9" max="2.14748E9" units="cm"/>
+          <inkml:channel name="F" type="integer" max="32767" units="dev"/>
+        </inkml:traceFormat>
+        <inkml:channelProperties>
+          <inkml:channelProperty channel="X" name="resolution" value="1000" units="1/cm"/>
+          <inkml:channelProperty channel="Y" name="resolution" value="1000" units="1/cm"/>
+          <inkml:channelProperty channel="F" name="resolution" value="0" units="1/dev"/>
+        </inkml:channelProperties>
+      </inkml:inkSource>
+      <inkml:timestamp xml:id="ts0" timeString="2024-12-06T11:31:22.322"/>
+    </inkml:context>
+    <inkml:brush xml:id="br0">
+      <inkml:brushProperty name="width" value="0.05" units="cm"/>
+      <inkml:brushProperty name="height" value="0.05" units="cm"/>
+      <inkml:brushProperty name="color" value="#E71224"/>
+    </inkml:brush>
+  </inkml:definitions>
+  <inkml:trace contextRef="#ctx0" brushRef="#br0">241 96 24575,'-3'-3'0,"-1"-1"0,0 2 0,-1-1 0,1 0 0,0 1 0,-1 0 0,0 0 0,1 0 0,-1 1 0,0-1 0,0 1 0,0 0 0,0 1 0,0-1 0,0 1 0,0 0 0,0 0 0,0 0 0,0 1 0,1 0 0,-1 0 0,0 0 0,0 1 0,-7 2 0,5-1 0,-1 0 0,1 1 0,0-1 0,-1 2 0,2-1 0,-1 1 0,0 0 0,1 0 0,0 1 0,0-1 0,1 1 0,0 1 0,0-1 0,-5 9 0,8-11 0,-1 1 0,1-1 0,0 1 0,1-1 0,-1 1 0,1-1 0,0 1 0,0 0 0,0 0 0,1-1 0,0 1 0,0 0 0,0 0 0,0 0 0,1-1 0,0 1 0,0 0 0,0 0 0,0-1 0,1 1 0,0-1 0,0 1 0,0-1 0,3 4 0,0-2 0,-1-1 0,1 0 0,0 0 0,1-1 0,-1 1 0,1-1 0,0-1 0,0 1 0,0-1 0,0 0 0,1 0 0,-1-1 0,1 0 0,-1 0 0,1 0 0,9 0 0,-3-1 0,0 0 0,0-2 0,0 1 0,0-2 0,0 1 0,0-2 0,0 0 0,0 0 0,-1-1 0,1-1 0,-1 0 0,0-1 0,-1 0 0,1-1 0,-1 0 0,15-13 0,6-7 0,0-2 0,-2-1 0,47-62 0,-22 5 0,-55 86 0,0 1 0,0 0 0,0 0 0,0 0 0,0 0 0,0 0 0,1 0 0,-1 0 0,0 0 0,0 0 0,0 0 0,0 0 0,0-1 0,0 1 0,0 0 0,0 0 0,0 0 0,0 0 0,1 0 0,-1 0 0,0 0 0,0 0 0,0 0 0,0 0 0,0 0 0,0 0 0,0 0 0,0 0 0,1 0 0,-1 0 0,0 0 0,0 0 0,0 0 0,0 0 0,0 0 0,0 0 0,0 0 0,0 0 0,0 0 0,1 0 0,-1 0 0,0 1 0,0-1 0,0 0 0,0 0 0,0 0 0,0 0 0,0 0 0,0 0 0,0 0 0,0 0 0,0 0 0,0 0 0,0 1 0,0-1 0,1 0 0,-1 0 0,0 0 0,0 0 0,0 0 0,0 0 0,0 0 0,0 0 0,0 0 0,0 1 0,0-1 0,0 0 0,0 0 0,-1 0 0,4 16 0,-1 28 0,-1-34 0,0 15 0,2-1 0,1 1 0,11 40 0,-13-56 0,1-1 0,0 0 0,0 0 0,1 0 0,0-1 0,0 1 0,1-1 0,0 0 0,0 0 0,0 0 0,1-1 0,0 0 0,1 0 0,8 7 0,-11-11-97,0 0-1,0-1 1,0 1-1,0-1 1,0 0-1,0 0 1,0 0-1,0 0 1,1-1-1,-1 1 1,0-1-1,1 0 0,4-1 1,20-5-6729</inkml:trace>
+</inkml:ink>
+</file>
+
+<file path=ppt/ink/ink9.xml><?xml version="1.0" encoding="utf-8"?>
+<inkml:ink xmlns:inkml="http://www.w3.org/2003/InkML">
+  <inkml:definitions>
+    <inkml:context xml:id="ctx0">
+      <inkml:inkSource xml:id="inkSrc0">
+        <inkml:traceFormat>
+          <inkml:channel name="X" type="integer" min="-2.14748E9" max="2.14748E9" units="cm"/>
+          <inkml:channel name="Y" type="integer" min="-2.14748E9" max="2.14748E9" units="cm"/>
+          <inkml:channel name="F" type="integer" max="32767" units="dev"/>
+        </inkml:traceFormat>
+        <inkml:channelProperties>
+          <inkml:channelProperty channel="X" name="resolution" value="1000" units="1/cm"/>
+          <inkml:channelProperty channel="Y" name="resolution" value="1000" units="1/cm"/>
+          <inkml:channelProperty channel="F" name="resolution" value="0" units="1/dev"/>
+        </inkml:channelProperties>
+      </inkml:inkSource>
+      <inkml:timestamp xml:id="ts0" timeString="2024-12-06T11:31:23.018"/>
+    </inkml:context>
+    <inkml:brush xml:id="br0">
+      <inkml:brushProperty name="width" value="0.05" units="cm"/>
+      <inkml:brushProperty name="height" value="0.05" units="cm"/>
+      <inkml:brushProperty name="color" value="#E71224"/>
+    </inkml:brush>
+  </inkml:definitions>
+  <inkml:trace contextRef="#ctx0" brushRef="#br0">0 20 24575,'4'0'0,"0"1"0,0-1 0,-1 1 0,1 0 0,0 1 0,-1-1 0,1 0 0,-1 1 0,0 0 0,1 0 0,-1 0 0,0 0 0,0 0 0,0 1 0,-1 0 0,1-1 0,-1 1 0,1 0 0,-1 0 0,0 0 0,0 0 0,3 7 0,4 7 0,-2 1 0,0 0 0,6 21 0,-10-29 0,7 37 0,-8-38 0,0 1 0,0-1 0,0 1 0,1-1 0,1 0 0,0 0 0,7 13 0,-10-21 0,0 0 0,0 0 0,0 0 0,0 0 0,0 0 0,0-1 0,0 1 0,0 0 0,0 0 0,1-1 0,-1 1 0,0-1 0,0 1 0,1-1 0,-1 1 0,0-1 0,1 0 0,-1 0 0,1 0 0,-1 0 0,0 0 0,1 0 0,-1 0 0,1 0 0,-1 0 0,0 0 0,1-1 0,-1 1 0,0-1 0,1 1 0,-1-1 0,0 0 0,0 1 0,0-1 0,1 0 0,-1 0 0,0 0 0,0 0 0,0 1 0,0-2 0,0 1 0,0-1 0,10-9 0,-1 0 0,-1 0 0,10-15 0,-9 12 0,50-75 0,-37 53 0,31-38 0,-51 71 0,-1 0 0,1 0 0,0 0 0,0 0 0,0 0 0,1 1 0,-1 0 0,1-1 0,-1 1 0,1 0 0,7-2 0,-10 4 0,1 0 0,0-1 0,0 1 0,-1 0 0,1 0 0,0 1 0,-1-1 0,1 0 0,0 0 0,-1 1 0,1-1 0,0 1 0,-1 0 0,1-1 0,-1 1 0,1 0 0,-1 0 0,1 0 0,-1 0 0,0 0 0,0 0 0,1 0 0,-1 0 0,0 1 0,0-1 0,0 0 0,0 1 0,0-1 0,0 1 0,0 2 0,6 11 0,-1 0 0,-1 1 0,0 0 0,-1 1 0,-1-1 0,2 29 0,5 24 0,2-19-1365,0-4-5461</inkml:trace>
+</inkml:ink>
 </file>
 
 <file path=ppt/slideLayouts/slideLayout1.xml><?xml version="1.0" encoding="utf-8"?>
@@ -257,7 +600,7 @@
           <a:p>
             <a:fld id="{8F93EF66-6336-45AB-AABA-6C4290F955B6}" type="datetimeFigureOut">
               <a:rPr lang="de-DE" smtClean="0"/>
-              <a:t>19.11.2024</a:t>
+              <a:t>06.12.2024</a:t>
             </a:fld>
             <a:endParaRPr lang="de-DE"/>
           </a:p>
@@ -455,7 +798,7 @@
           <a:p>
             <a:fld id="{8F93EF66-6336-45AB-AABA-6C4290F955B6}" type="datetimeFigureOut">
               <a:rPr lang="de-DE" smtClean="0"/>
-              <a:t>19.11.2024</a:t>
+              <a:t>06.12.2024</a:t>
             </a:fld>
             <a:endParaRPr lang="de-DE"/>
           </a:p>
@@ -663,7 +1006,7 @@
           <a:p>
             <a:fld id="{8F93EF66-6336-45AB-AABA-6C4290F955B6}" type="datetimeFigureOut">
               <a:rPr lang="de-DE" smtClean="0"/>
-              <a:t>19.11.2024</a:t>
+              <a:t>06.12.2024</a:t>
             </a:fld>
             <a:endParaRPr lang="de-DE"/>
           </a:p>
@@ -1058,7 +1401,7 @@
           <a:p>
             <a:fld id="{8F93EF66-6336-45AB-AABA-6C4290F955B6}" type="datetimeFigureOut">
               <a:rPr lang="de-DE" smtClean="0"/>
-              <a:t>19.11.2024</a:t>
+              <a:t>06.12.2024</a:t>
             </a:fld>
             <a:endParaRPr lang="de-DE"/>
           </a:p>
@@ -1333,7 +1676,7 @@
           <a:p>
             <a:fld id="{8F93EF66-6336-45AB-AABA-6C4290F955B6}" type="datetimeFigureOut">
               <a:rPr lang="de-DE" smtClean="0"/>
-              <a:t>19.11.2024</a:t>
+              <a:t>06.12.2024</a:t>
             </a:fld>
             <a:endParaRPr lang="de-DE"/>
           </a:p>
@@ -1598,7 +1941,7 @@
           <a:p>
             <a:fld id="{8F93EF66-6336-45AB-AABA-6C4290F955B6}" type="datetimeFigureOut">
               <a:rPr lang="de-DE" smtClean="0"/>
-              <a:t>19.11.2024</a:t>
+              <a:t>06.12.2024</a:t>
             </a:fld>
             <a:endParaRPr lang="de-DE"/>
           </a:p>
@@ -2010,7 +2353,7 @@
           <a:p>
             <a:fld id="{8F93EF66-6336-45AB-AABA-6C4290F955B6}" type="datetimeFigureOut">
               <a:rPr lang="de-DE" smtClean="0"/>
-              <a:t>19.11.2024</a:t>
+              <a:t>06.12.2024</a:t>
             </a:fld>
             <a:endParaRPr lang="de-DE"/>
           </a:p>
@@ -2151,7 +2494,7 @@
           <a:p>
             <a:fld id="{8F93EF66-6336-45AB-AABA-6C4290F955B6}" type="datetimeFigureOut">
               <a:rPr lang="de-DE" smtClean="0"/>
-              <a:t>19.11.2024</a:t>
+              <a:t>06.12.2024</a:t>
             </a:fld>
             <a:endParaRPr lang="de-DE"/>
           </a:p>
@@ -2264,7 +2607,7 @@
           <a:p>
             <a:fld id="{8F93EF66-6336-45AB-AABA-6C4290F955B6}" type="datetimeFigureOut">
               <a:rPr lang="de-DE" smtClean="0"/>
-              <a:t>19.11.2024</a:t>
+              <a:t>06.12.2024</a:t>
             </a:fld>
             <a:endParaRPr lang="de-DE"/>
           </a:p>
@@ -2575,7 +2918,7 @@
           <a:p>
             <a:fld id="{8F93EF66-6336-45AB-AABA-6C4290F955B6}" type="datetimeFigureOut">
               <a:rPr lang="de-DE" smtClean="0"/>
-              <a:t>19.11.2024</a:t>
+              <a:t>06.12.2024</a:t>
             </a:fld>
             <a:endParaRPr lang="de-DE"/>
           </a:p>
@@ -2863,7 +3206,7 @@
           <a:p>
             <a:fld id="{8F93EF66-6336-45AB-AABA-6C4290F955B6}" type="datetimeFigureOut">
               <a:rPr lang="de-DE" smtClean="0"/>
-              <a:t>19.11.2024</a:t>
+              <a:t>06.12.2024</a:t>
             </a:fld>
             <a:endParaRPr lang="de-DE"/>
           </a:p>
@@ -3104,7 +3447,7 @@
           <a:p>
             <a:fld id="{8F93EF66-6336-45AB-AABA-6C4290F955B6}" type="datetimeFigureOut">
               <a:rPr lang="de-DE" smtClean="0"/>
-              <a:t>19.11.2024</a:t>
+              <a:t>06.12.2024</a:t>
             </a:fld>
             <a:endParaRPr lang="de-DE"/>
           </a:p>
@@ -5998,6 +6341,1859 @@
     <p:extLst>
       <p:ext uri="{BB962C8B-B14F-4D97-AF65-F5344CB8AC3E}">
         <p14:creationId xmlns:p14="http://schemas.microsoft.com/office/powerpoint/2010/main" val="348690806"/>
+      </p:ext>
+    </p:extLst>
+  </p:cSld>
+  <p:clrMapOvr>
+    <a:masterClrMapping/>
+  </p:clrMapOvr>
+</p:sld>
+</file>
+
+<file path=ppt/slides/slide5.xml><?xml version="1.0" encoding="utf-8"?>
+<p:sld xmlns:a="http://schemas.openxmlformats.org/drawingml/2006/main" xmlns:r="http://schemas.openxmlformats.org/officeDocument/2006/relationships" xmlns:p="http://schemas.openxmlformats.org/presentationml/2006/main">
+  <p:cSld>
+    <p:spTree>
+      <p:nvGrpSpPr>
+        <p:cNvPr id="1" name=""/>
+        <p:cNvGrpSpPr/>
+        <p:nvPr/>
+      </p:nvGrpSpPr>
+      <p:grpSpPr>
+        <a:xfrm>
+          <a:off x="0" y="0"/>
+          <a:ext cx="0" cy="0"/>
+          <a:chOff x="0" y="0"/>
+          <a:chExt cx="0" cy="0"/>
+        </a:xfrm>
+      </p:grpSpPr>
+      <p:sp>
+        <p:nvSpPr>
+          <p:cNvPr id="2" name="Titel 1">
+            <a:extLst>
+              <a:ext uri="{FF2B5EF4-FFF2-40B4-BE49-F238E27FC236}">
+                <a16:creationId xmlns:a16="http://schemas.microsoft.com/office/drawing/2014/main" id="{E13F5EFB-E7A1-1445-84D5-5DEBF4C1C040}"/>
+              </a:ext>
+            </a:extLst>
+          </p:cNvPr>
+          <p:cNvSpPr>
+            <a:spLocks noGrp="1"/>
+          </p:cNvSpPr>
+          <p:nvPr>
+            <p:ph type="title"/>
+          </p:nvPr>
+        </p:nvSpPr>
+        <p:spPr/>
+        <p:txBody>
+          <a:bodyPr/>
+          <a:lstStyle/>
+          <a:p>
+            <a:r>
+              <a:rPr lang="de-DE" dirty="0"/>
+              <a:t>TODOs</a:t>
+            </a:r>
+          </a:p>
+        </p:txBody>
+      </p:sp>
+      <p:sp>
+        <p:nvSpPr>
+          <p:cNvPr id="3" name="Inhaltsplatzhalter 2">
+            <a:extLst>
+              <a:ext uri="{FF2B5EF4-FFF2-40B4-BE49-F238E27FC236}">
+                <a16:creationId xmlns:a16="http://schemas.microsoft.com/office/drawing/2014/main" id="{1D1D7642-C5D1-A265-5981-BED98AA67540}"/>
+              </a:ext>
+            </a:extLst>
+          </p:cNvPr>
+          <p:cNvSpPr>
+            <a:spLocks noGrp="1"/>
+          </p:cNvSpPr>
+          <p:nvPr>
+            <p:ph idx="1"/>
+          </p:nvPr>
+        </p:nvSpPr>
+        <p:spPr/>
+        <p:txBody>
+          <a:bodyPr>
+            <a:normAutofit lnSpcReduction="10000"/>
+          </a:bodyPr>
+          <a:lstStyle/>
+          <a:p>
+            <a:r>
+              <a:rPr lang="de-DE" dirty="0"/>
+              <a:t>Ball der </a:t>
+            </a:r>
+            <a:r>
+              <a:rPr lang="de-DE"/>
+              <a:t>Schlange geben</a:t>
+            </a:r>
+            <a:endParaRPr lang="de-DE" dirty="0"/>
+          </a:p>
+          <a:p>
+            <a:r>
+              <a:rPr lang="de-DE" dirty="0"/>
+              <a:t>Ball schießen</a:t>
+            </a:r>
+          </a:p>
+          <a:p>
+            <a:r>
+              <a:rPr lang="de-DE" dirty="0"/>
+              <a:t>Ball stoppen/andocken</a:t>
+            </a:r>
+          </a:p>
+          <a:p>
+            <a:pPr lvl="1"/>
+            <a:r>
+              <a:rPr lang="de-DE" dirty="0"/>
+              <a:t>Nachbarn finden</a:t>
+            </a:r>
+          </a:p>
+          <a:p>
+            <a:r>
+              <a:rPr lang="de-DE" dirty="0"/>
+              <a:t>Gleiche/Ketten finden</a:t>
+            </a:r>
+          </a:p>
+          <a:p>
+            <a:pPr lvl="1"/>
+            <a:r>
+              <a:rPr lang="de-DE" dirty="0"/>
+              <a:t>Und entfernen</a:t>
+            </a:r>
+          </a:p>
+          <a:p>
+            <a:r>
+              <a:rPr lang="de-DE" dirty="0"/>
+              <a:t>Neuer Ball zufällig</a:t>
+            </a:r>
+          </a:p>
+          <a:p>
+            <a:pPr lvl="1"/>
+            <a:r>
+              <a:rPr lang="de-DE" dirty="0"/>
+              <a:t>Aber nur vorhandene Farben</a:t>
+            </a:r>
+          </a:p>
+          <a:p>
+            <a:r>
+              <a:rPr lang="de-DE" dirty="0" err="1"/>
+              <a:t>Win</a:t>
+            </a:r>
+            <a:r>
+              <a:rPr lang="de-DE" dirty="0"/>
+              <a:t>/Loose </a:t>
+            </a:r>
+          </a:p>
+          <a:p>
+            <a:r>
+              <a:rPr lang="de-DE" dirty="0"/>
+              <a:t>*Cheats/Eastereggs</a:t>
+            </a:r>
+          </a:p>
+        </p:txBody>
+      </p:sp>
+    </p:spTree>
+    <p:extLst>
+      <p:ext uri="{BB962C8B-B14F-4D97-AF65-F5344CB8AC3E}">
+        <p14:creationId xmlns:p14="http://schemas.microsoft.com/office/powerpoint/2010/main" val="4057259780"/>
+      </p:ext>
+    </p:extLst>
+  </p:cSld>
+  <p:clrMapOvr>
+    <a:masterClrMapping/>
+  </p:clrMapOvr>
+</p:sld>
+</file>
+
+<file path=ppt/slides/slide6.xml><?xml version="1.0" encoding="utf-8"?>
+<p:sld xmlns:a="http://schemas.openxmlformats.org/drawingml/2006/main" xmlns:r="http://schemas.openxmlformats.org/officeDocument/2006/relationships" xmlns:p="http://schemas.openxmlformats.org/presentationml/2006/main">
+  <p:cSld>
+    <p:spTree>
+      <p:nvGrpSpPr>
+        <p:cNvPr id="1" name=""/>
+        <p:cNvGrpSpPr/>
+        <p:nvPr/>
+      </p:nvGrpSpPr>
+      <p:grpSpPr>
+        <a:xfrm>
+          <a:off x="0" y="0"/>
+          <a:ext cx="0" cy="0"/>
+          <a:chOff x="0" y="0"/>
+          <a:chExt cx="0" cy="0"/>
+        </a:xfrm>
+      </p:grpSpPr>
+      <p:cxnSp>
+        <p:nvCxnSpPr>
+          <p:cNvPr id="5" name="Gerader Verbinder 4">
+            <a:extLst>
+              <a:ext uri="{FF2B5EF4-FFF2-40B4-BE49-F238E27FC236}">
+                <a16:creationId xmlns:a16="http://schemas.microsoft.com/office/drawing/2014/main" id="{1542534B-A471-B07C-01F3-9FAE5F77C831}"/>
+              </a:ext>
+            </a:extLst>
+          </p:cNvPr>
+          <p:cNvCxnSpPr/>
+          <p:nvPr/>
+        </p:nvCxnSpPr>
+        <p:spPr>
+          <a:xfrm>
+            <a:off x="99588" y="932507"/>
+            <a:ext cx="12004895" cy="0"/>
+          </a:xfrm>
+          <a:prstGeom prst="line">
+            <a:avLst/>
+          </a:prstGeom>
+        </p:spPr>
+        <p:style>
+          <a:lnRef idx="2">
+            <a:schemeClr val="accent1"/>
+          </a:lnRef>
+          <a:fillRef idx="0">
+            <a:schemeClr val="accent1"/>
+          </a:fillRef>
+          <a:effectRef idx="1">
+            <a:schemeClr val="accent1"/>
+          </a:effectRef>
+          <a:fontRef idx="minor">
+            <a:schemeClr val="tx1"/>
+          </a:fontRef>
+        </p:style>
+      </p:cxnSp>
+      <p:cxnSp>
+        <p:nvCxnSpPr>
+          <p:cNvPr id="7" name="Gerader Verbinder 6">
+            <a:extLst>
+              <a:ext uri="{FF2B5EF4-FFF2-40B4-BE49-F238E27FC236}">
+                <a16:creationId xmlns:a16="http://schemas.microsoft.com/office/drawing/2014/main" id="{4E3BB6FA-8637-CE6C-6BC7-2A97912C188D}"/>
+              </a:ext>
+            </a:extLst>
+          </p:cNvPr>
+          <p:cNvCxnSpPr/>
+          <p:nvPr/>
+        </p:nvCxnSpPr>
+        <p:spPr>
+          <a:xfrm>
+            <a:off x="99588" y="1683945"/>
+            <a:ext cx="11887200" cy="0"/>
+          </a:xfrm>
+          <a:prstGeom prst="line">
+            <a:avLst/>
+          </a:prstGeom>
+        </p:spPr>
+        <p:style>
+          <a:lnRef idx="2">
+            <a:schemeClr val="accent1"/>
+          </a:lnRef>
+          <a:fillRef idx="0">
+            <a:schemeClr val="accent1"/>
+          </a:fillRef>
+          <a:effectRef idx="1">
+            <a:schemeClr val="accent1"/>
+          </a:effectRef>
+          <a:fontRef idx="minor">
+            <a:schemeClr val="tx1"/>
+          </a:fontRef>
+        </p:style>
+      </p:cxnSp>
+      <p:cxnSp>
+        <p:nvCxnSpPr>
+          <p:cNvPr id="8" name="Gerader Verbinder 7">
+            <a:extLst>
+              <a:ext uri="{FF2B5EF4-FFF2-40B4-BE49-F238E27FC236}">
+                <a16:creationId xmlns:a16="http://schemas.microsoft.com/office/drawing/2014/main" id="{08A8AA38-FD8F-1566-7402-A3CCD61B19FC}"/>
+              </a:ext>
+            </a:extLst>
+          </p:cNvPr>
+          <p:cNvCxnSpPr/>
+          <p:nvPr/>
+        </p:nvCxnSpPr>
+        <p:spPr>
+          <a:xfrm>
+            <a:off x="99588" y="2623997"/>
+            <a:ext cx="11887200" cy="0"/>
+          </a:xfrm>
+          <a:prstGeom prst="line">
+            <a:avLst/>
+          </a:prstGeom>
+        </p:spPr>
+        <p:style>
+          <a:lnRef idx="2">
+            <a:schemeClr val="accent1"/>
+          </a:lnRef>
+          <a:fillRef idx="0">
+            <a:schemeClr val="accent1"/>
+          </a:fillRef>
+          <a:effectRef idx="1">
+            <a:schemeClr val="accent1"/>
+          </a:effectRef>
+          <a:fontRef idx="minor">
+            <a:schemeClr val="tx1"/>
+          </a:fontRef>
+        </p:style>
+      </p:cxnSp>
+      <p:cxnSp>
+        <p:nvCxnSpPr>
+          <p:cNvPr id="9" name="Gerader Verbinder 8">
+            <a:extLst>
+              <a:ext uri="{FF2B5EF4-FFF2-40B4-BE49-F238E27FC236}">
+                <a16:creationId xmlns:a16="http://schemas.microsoft.com/office/drawing/2014/main" id="{3D11C230-0128-E832-CCEB-02050B4F44AB}"/>
+              </a:ext>
+            </a:extLst>
+          </p:cNvPr>
+          <p:cNvCxnSpPr/>
+          <p:nvPr/>
+        </p:nvCxnSpPr>
+        <p:spPr>
+          <a:xfrm>
+            <a:off x="152400" y="3583664"/>
+            <a:ext cx="11887200" cy="0"/>
+          </a:xfrm>
+          <a:prstGeom prst="line">
+            <a:avLst/>
+          </a:prstGeom>
+        </p:spPr>
+        <p:style>
+          <a:lnRef idx="2">
+            <a:schemeClr val="accent1"/>
+          </a:lnRef>
+          <a:fillRef idx="0">
+            <a:schemeClr val="accent1"/>
+          </a:fillRef>
+          <a:effectRef idx="1">
+            <a:schemeClr val="accent1"/>
+          </a:effectRef>
+          <a:fontRef idx="minor">
+            <a:schemeClr val="tx1"/>
+          </a:fontRef>
+        </p:style>
+      </p:cxnSp>
+      <p:cxnSp>
+        <p:nvCxnSpPr>
+          <p:cNvPr id="11" name="Gerader Verbinder 10">
+            <a:extLst>
+              <a:ext uri="{FF2B5EF4-FFF2-40B4-BE49-F238E27FC236}">
+                <a16:creationId xmlns:a16="http://schemas.microsoft.com/office/drawing/2014/main" id="{A12A7ADA-1DC7-53D0-B6E6-6D75C1E374D4}"/>
+              </a:ext>
+            </a:extLst>
+          </p:cNvPr>
+          <p:cNvCxnSpPr/>
+          <p:nvPr/>
+        </p:nvCxnSpPr>
+        <p:spPr>
+          <a:xfrm>
+            <a:off x="860079" y="0"/>
+            <a:ext cx="0" cy="4553893"/>
+          </a:xfrm>
+          <a:prstGeom prst="line">
+            <a:avLst/>
+          </a:prstGeom>
+        </p:spPr>
+        <p:style>
+          <a:lnRef idx="2">
+            <a:schemeClr val="accent1"/>
+          </a:lnRef>
+          <a:fillRef idx="0">
+            <a:schemeClr val="accent1"/>
+          </a:fillRef>
+          <a:effectRef idx="1">
+            <a:schemeClr val="accent1"/>
+          </a:effectRef>
+          <a:fontRef idx="minor">
+            <a:schemeClr val="tx1"/>
+          </a:fontRef>
+        </p:style>
+      </p:cxnSp>
+      <p:cxnSp>
+        <p:nvCxnSpPr>
+          <p:cNvPr id="12" name="Gerader Verbinder 11">
+            <a:extLst>
+              <a:ext uri="{FF2B5EF4-FFF2-40B4-BE49-F238E27FC236}">
+                <a16:creationId xmlns:a16="http://schemas.microsoft.com/office/drawing/2014/main" id="{5DEBCF73-34FA-BEC0-0DD8-2ACECDB42C0B}"/>
+              </a:ext>
+            </a:extLst>
+          </p:cNvPr>
+          <p:cNvCxnSpPr/>
+          <p:nvPr/>
+        </p:nvCxnSpPr>
+        <p:spPr>
+          <a:xfrm>
+            <a:off x="2153215" y="0"/>
+            <a:ext cx="0" cy="4553893"/>
+          </a:xfrm>
+          <a:prstGeom prst="line">
+            <a:avLst/>
+          </a:prstGeom>
+        </p:spPr>
+        <p:style>
+          <a:lnRef idx="2">
+            <a:schemeClr val="accent1"/>
+          </a:lnRef>
+          <a:fillRef idx="0">
+            <a:schemeClr val="accent1"/>
+          </a:fillRef>
+          <a:effectRef idx="1">
+            <a:schemeClr val="accent1"/>
+          </a:effectRef>
+          <a:fontRef idx="minor">
+            <a:schemeClr val="tx1"/>
+          </a:fontRef>
+        </p:style>
+      </p:cxnSp>
+      <p:cxnSp>
+        <p:nvCxnSpPr>
+          <p:cNvPr id="13" name="Gerader Verbinder 12">
+            <a:extLst>
+              <a:ext uri="{FF2B5EF4-FFF2-40B4-BE49-F238E27FC236}">
+                <a16:creationId xmlns:a16="http://schemas.microsoft.com/office/drawing/2014/main" id="{09E1FCB9-308A-EA39-8824-3C8D26E915C0}"/>
+              </a:ext>
+            </a:extLst>
+          </p:cNvPr>
+          <p:cNvCxnSpPr/>
+          <p:nvPr/>
+        </p:nvCxnSpPr>
+        <p:spPr>
+          <a:xfrm>
+            <a:off x="3710411" y="0"/>
+            <a:ext cx="0" cy="4553893"/>
+          </a:xfrm>
+          <a:prstGeom prst="line">
+            <a:avLst/>
+          </a:prstGeom>
+        </p:spPr>
+        <p:style>
+          <a:lnRef idx="2">
+            <a:schemeClr val="accent1"/>
+          </a:lnRef>
+          <a:fillRef idx="0">
+            <a:schemeClr val="accent1"/>
+          </a:fillRef>
+          <a:effectRef idx="1">
+            <a:schemeClr val="accent1"/>
+          </a:effectRef>
+          <a:fontRef idx="minor">
+            <a:schemeClr val="tx1"/>
+          </a:fontRef>
+        </p:style>
+      </p:cxnSp>
+      <p:cxnSp>
+        <p:nvCxnSpPr>
+          <p:cNvPr id="14" name="Gerader Verbinder 13">
+            <a:extLst>
+              <a:ext uri="{FF2B5EF4-FFF2-40B4-BE49-F238E27FC236}">
+                <a16:creationId xmlns:a16="http://schemas.microsoft.com/office/drawing/2014/main" id="{7DC19335-6A79-E69D-5B44-D9B3A88B563B}"/>
+              </a:ext>
+            </a:extLst>
+          </p:cNvPr>
+          <p:cNvCxnSpPr/>
+          <p:nvPr/>
+        </p:nvCxnSpPr>
+        <p:spPr>
+          <a:xfrm>
+            <a:off x="5240448" y="0"/>
+            <a:ext cx="0" cy="4553893"/>
+          </a:xfrm>
+          <a:prstGeom prst="line">
+            <a:avLst/>
+          </a:prstGeom>
+        </p:spPr>
+        <p:style>
+          <a:lnRef idx="2">
+            <a:schemeClr val="accent1"/>
+          </a:lnRef>
+          <a:fillRef idx="0">
+            <a:schemeClr val="accent1"/>
+          </a:fillRef>
+          <a:effectRef idx="1">
+            <a:schemeClr val="accent1"/>
+          </a:effectRef>
+          <a:fontRef idx="minor">
+            <a:schemeClr val="tx1"/>
+          </a:fontRef>
+        </p:style>
+      </p:cxnSp>
+      <p:cxnSp>
+        <p:nvCxnSpPr>
+          <p:cNvPr id="15" name="Gerader Verbinder 14">
+            <a:extLst>
+              <a:ext uri="{FF2B5EF4-FFF2-40B4-BE49-F238E27FC236}">
+                <a16:creationId xmlns:a16="http://schemas.microsoft.com/office/drawing/2014/main" id="{A21C4D8B-1B5F-0938-465D-E8250358EB0A}"/>
+              </a:ext>
+            </a:extLst>
+          </p:cNvPr>
+          <p:cNvCxnSpPr/>
+          <p:nvPr/>
+        </p:nvCxnSpPr>
+        <p:spPr>
+          <a:xfrm>
+            <a:off x="6806697" y="0"/>
+            <a:ext cx="0" cy="4553893"/>
+          </a:xfrm>
+          <a:prstGeom prst="line">
+            <a:avLst/>
+          </a:prstGeom>
+        </p:spPr>
+        <p:style>
+          <a:lnRef idx="2">
+            <a:schemeClr val="accent1"/>
+          </a:lnRef>
+          <a:fillRef idx="0">
+            <a:schemeClr val="accent1"/>
+          </a:fillRef>
+          <a:effectRef idx="1">
+            <a:schemeClr val="accent1"/>
+          </a:effectRef>
+          <a:fontRef idx="minor">
+            <a:schemeClr val="tx1"/>
+          </a:fontRef>
+        </p:style>
+      </p:cxnSp>
+      <p:cxnSp>
+        <p:nvCxnSpPr>
+          <p:cNvPr id="16" name="Gerader Verbinder 15">
+            <a:extLst>
+              <a:ext uri="{FF2B5EF4-FFF2-40B4-BE49-F238E27FC236}">
+                <a16:creationId xmlns:a16="http://schemas.microsoft.com/office/drawing/2014/main" id="{ABE8D75A-7518-F9C2-47FC-DB3095529943}"/>
+              </a:ext>
+            </a:extLst>
+          </p:cNvPr>
+          <p:cNvCxnSpPr/>
+          <p:nvPr/>
+        </p:nvCxnSpPr>
+        <p:spPr>
+          <a:xfrm>
+            <a:off x="8463481" y="0"/>
+            <a:ext cx="0" cy="4553893"/>
+          </a:xfrm>
+          <a:prstGeom prst="line">
+            <a:avLst/>
+          </a:prstGeom>
+        </p:spPr>
+        <p:style>
+          <a:lnRef idx="2">
+            <a:schemeClr val="accent1"/>
+          </a:lnRef>
+          <a:fillRef idx="0">
+            <a:schemeClr val="accent1"/>
+          </a:fillRef>
+          <a:effectRef idx="1">
+            <a:schemeClr val="accent1"/>
+          </a:effectRef>
+          <a:fontRef idx="minor">
+            <a:schemeClr val="tx1"/>
+          </a:fontRef>
+        </p:style>
+      </p:cxnSp>
+      <p:cxnSp>
+        <p:nvCxnSpPr>
+          <p:cNvPr id="17" name="Gerader Verbinder 16">
+            <a:extLst>
+              <a:ext uri="{FF2B5EF4-FFF2-40B4-BE49-F238E27FC236}">
+                <a16:creationId xmlns:a16="http://schemas.microsoft.com/office/drawing/2014/main" id="{360B1BC2-6E63-16E6-C67A-9FB7F1C5FEC4}"/>
+              </a:ext>
+            </a:extLst>
+          </p:cNvPr>
+          <p:cNvCxnSpPr/>
+          <p:nvPr/>
+        </p:nvCxnSpPr>
+        <p:spPr>
+          <a:xfrm>
+            <a:off x="1483259" y="0"/>
+            <a:ext cx="0" cy="4553893"/>
+          </a:xfrm>
+          <a:prstGeom prst="line">
+            <a:avLst/>
+          </a:prstGeom>
+        </p:spPr>
+        <p:style>
+          <a:lnRef idx="2">
+            <a:schemeClr val="accent2"/>
+          </a:lnRef>
+          <a:fillRef idx="0">
+            <a:schemeClr val="accent2"/>
+          </a:fillRef>
+          <a:effectRef idx="1">
+            <a:schemeClr val="accent2"/>
+          </a:effectRef>
+          <a:fontRef idx="minor">
+            <a:schemeClr val="tx1"/>
+          </a:fontRef>
+        </p:style>
+      </p:cxnSp>
+      <p:cxnSp>
+        <p:nvCxnSpPr>
+          <p:cNvPr id="18" name="Gerader Verbinder 17">
+            <a:extLst>
+              <a:ext uri="{FF2B5EF4-FFF2-40B4-BE49-F238E27FC236}">
+                <a16:creationId xmlns:a16="http://schemas.microsoft.com/office/drawing/2014/main" id="{86AE0B99-4C03-082B-FE17-838DE2EDC5AB}"/>
+              </a:ext>
+            </a:extLst>
+          </p:cNvPr>
+          <p:cNvCxnSpPr/>
+          <p:nvPr/>
+        </p:nvCxnSpPr>
+        <p:spPr>
+          <a:xfrm>
+            <a:off x="2922760" y="0"/>
+            <a:ext cx="0" cy="4553893"/>
+          </a:xfrm>
+          <a:prstGeom prst="line">
+            <a:avLst/>
+          </a:prstGeom>
+        </p:spPr>
+        <p:style>
+          <a:lnRef idx="2">
+            <a:schemeClr val="accent2"/>
+          </a:lnRef>
+          <a:fillRef idx="0">
+            <a:schemeClr val="accent2"/>
+          </a:fillRef>
+          <a:effectRef idx="1">
+            <a:schemeClr val="accent2"/>
+          </a:effectRef>
+          <a:fontRef idx="minor">
+            <a:schemeClr val="tx1"/>
+          </a:fontRef>
+        </p:style>
+      </p:cxnSp>
+      <p:cxnSp>
+        <p:nvCxnSpPr>
+          <p:cNvPr id="19" name="Gerader Verbinder 18">
+            <a:extLst>
+              <a:ext uri="{FF2B5EF4-FFF2-40B4-BE49-F238E27FC236}">
+                <a16:creationId xmlns:a16="http://schemas.microsoft.com/office/drawing/2014/main" id="{36012DA8-BCC7-A8BE-30FB-A3273C2FF000}"/>
+              </a:ext>
+            </a:extLst>
+          </p:cNvPr>
+          <p:cNvCxnSpPr/>
+          <p:nvPr/>
+        </p:nvCxnSpPr>
+        <p:spPr>
+          <a:xfrm>
+            <a:off x="4479956" y="0"/>
+            <a:ext cx="0" cy="4553893"/>
+          </a:xfrm>
+          <a:prstGeom prst="line">
+            <a:avLst/>
+          </a:prstGeom>
+        </p:spPr>
+        <p:style>
+          <a:lnRef idx="2">
+            <a:schemeClr val="accent2"/>
+          </a:lnRef>
+          <a:fillRef idx="0">
+            <a:schemeClr val="accent2"/>
+          </a:fillRef>
+          <a:effectRef idx="1">
+            <a:schemeClr val="accent2"/>
+          </a:effectRef>
+          <a:fontRef idx="minor">
+            <a:schemeClr val="tx1"/>
+          </a:fontRef>
+        </p:style>
+      </p:cxnSp>
+      <p:cxnSp>
+        <p:nvCxnSpPr>
+          <p:cNvPr id="20" name="Gerader Verbinder 19">
+            <a:extLst>
+              <a:ext uri="{FF2B5EF4-FFF2-40B4-BE49-F238E27FC236}">
+                <a16:creationId xmlns:a16="http://schemas.microsoft.com/office/drawing/2014/main" id="{A63A12BE-AF8D-FDCC-8812-FE4AA8977BFF}"/>
+              </a:ext>
+            </a:extLst>
+          </p:cNvPr>
+          <p:cNvCxnSpPr/>
+          <p:nvPr/>
+        </p:nvCxnSpPr>
+        <p:spPr>
+          <a:xfrm>
+            <a:off x="6028099" y="0"/>
+            <a:ext cx="0" cy="4553893"/>
+          </a:xfrm>
+          <a:prstGeom prst="line">
+            <a:avLst/>
+          </a:prstGeom>
+        </p:spPr>
+        <p:style>
+          <a:lnRef idx="2">
+            <a:schemeClr val="accent2"/>
+          </a:lnRef>
+          <a:fillRef idx="0">
+            <a:schemeClr val="accent2"/>
+          </a:fillRef>
+          <a:effectRef idx="1">
+            <a:schemeClr val="accent2"/>
+          </a:effectRef>
+          <a:fontRef idx="minor">
+            <a:schemeClr val="tx1"/>
+          </a:fontRef>
+        </p:style>
+      </p:cxnSp>
+      <p:pic>
+        <p:nvPicPr>
+          <p:cNvPr id="21" name="Grafik 20" descr="Ein Bild, das Kreis, Farbigkeit, Geschirr enthält.&#10;&#10;Automatisch generierte Beschreibung">
+            <a:extLst>
+              <a:ext uri="{FF2B5EF4-FFF2-40B4-BE49-F238E27FC236}">
+                <a16:creationId xmlns:a16="http://schemas.microsoft.com/office/drawing/2014/main" id="{E14AC0B9-4717-D452-5D15-0CFED26DF0E6}"/>
+              </a:ext>
+            </a:extLst>
+          </p:cNvPr>
+          <p:cNvPicPr>
+            <a:picLocks noChangeAspect="1"/>
+          </p:cNvPicPr>
+          <p:nvPr/>
+        </p:nvPicPr>
+        <p:blipFill>
+          <a:blip r:embed="rId2">
+            <a:extLst>
+              <a:ext uri="{28A0092B-C50C-407E-A947-70E740481C1C}">
+                <a14:useLocalDpi xmlns:a14="http://schemas.microsoft.com/office/drawing/2010/main" val="0"/>
+              </a:ext>
+            </a:extLst>
+          </a:blip>
+          <a:stretch>
+            <a:fillRect/>
+          </a:stretch>
+        </p:blipFill>
+        <p:spPr>
+          <a:xfrm flipH="1">
+            <a:off x="4104237" y="129013"/>
+            <a:ext cx="751437" cy="751437"/>
+          </a:xfrm>
+          <a:prstGeom prst="rect">
+            <a:avLst/>
+          </a:prstGeom>
+        </p:spPr>
+      </p:pic>
+      <p:pic>
+        <p:nvPicPr>
+          <p:cNvPr id="22" name="Grafik 21" descr="Ein Bild, das Kreis, Farbigkeit, Geschirr enthält.&#10;&#10;Automatisch generierte Beschreibung">
+            <a:extLst>
+              <a:ext uri="{FF2B5EF4-FFF2-40B4-BE49-F238E27FC236}">
+                <a16:creationId xmlns:a16="http://schemas.microsoft.com/office/drawing/2014/main" id="{19D33C12-57F5-33CC-0615-0B470E294074}"/>
+              </a:ext>
+            </a:extLst>
+          </p:cNvPr>
+          <p:cNvPicPr>
+            <a:picLocks noChangeAspect="1"/>
+          </p:cNvPicPr>
+          <p:nvPr/>
+        </p:nvPicPr>
+        <p:blipFill>
+          <a:blip r:embed="rId2">
+            <a:extLst>
+              <a:ext uri="{28A0092B-C50C-407E-A947-70E740481C1C}">
+                <a14:useLocalDpi xmlns:a14="http://schemas.microsoft.com/office/drawing/2010/main" val="0"/>
+              </a:ext>
+            </a:extLst>
+          </a:blip>
+          <a:stretch>
+            <a:fillRect/>
+          </a:stretch>
+        </p:blipFill>
+        <p:spPr>
+          <a:xfrm flipH="1">
+            <a:off x="1107540" y="64129"/>
+            <a:ext cx="751437" cy="751437"/>
+          </a:xfrm>
+          <a:prstGeom prst="rect">
+            <a:avLst/>
+          </a:prstGeom>
+        </p:spPr>
+      </p:pic>
+      <p:pic>
+        <p:nvPicPr>
+          <p:cNvPr id="23" name="Grafik 22" descr="Ein Bild, das Kreis, Farbigkeit, Geschirr enthält.&#10;&#10;Automatisch generierte Beschreibung">
+            <a:extLst>
+              <a:ext uri="{FF2B5EF4-FFF2-40B4-BE49-F238E27FC236}">
+                <a16:creationId xmlns:a16="http://schemas.microsoft.com/office/drawing/2014/main" id="{B826F6C2-0FA9-A706-3227-CD6513FA07B8}"/>
+              </a:ext>
+            </a:extLst>
+          </p:cNvPr>
+          <p:cNvPicPr>
+            <a:picLocks noChangeAspect="1"/>
+          </p:cNvPicPr>
+          <p:nvPr/>
+        </p:nvPicPr>
+        <p:blipFill>
+          <a:blip r:embed="rId2">
+            <a:extLst>
+              <a:ext uri="{28A0092B-C50C-407E-A947-70E740481C1C}">
+                <a14:useLocalDpi xmlns:a14="http://schemas.microsoft.com/office/drawing/2010/main" val="0"/>
+              </a:ext>
+            </a:extLst>
+          </a:blip>
+          <a:stretch>
+            <a:fillRect/>
+          </a:stretch>
+        </p:blipFill>
+        <p:spPr>
+          <a:xfrm flipH="1">
+            <a:off x="1849925" y="932508"/>
+            <a:ext cx="751437" cy="751437"/>
+          </a:xfrm>
+          <a:prstGeom prst="rect">
+            <a:avLst/>
+          </a:prstGeom>
+        </p:spPr>
+      </p:pic>
+      <p:pic>
+        <p:nvPicPr>
+          <p:cNvPr id="26" name="Grafik 25" descr="Ein Bild, das Kreis, Farbigkeit, Geschirr enthält.&#10;&#10;Automatisch generierte Beschreibung">
+            <a:extLst>
+              <a:ext uri="{FF2B5EF4-FFF2-40B4-BE49-F238E27FC236}">
+                <a16:creationId xmlns:a16="http://schemas.microsoft.com/office/drawing/2014/main" id="{5B17D540-8751-C52C-9517-F69965548752}"/>
+              </a:ext>
+            </a:extLst>
+          </p:cNvPr>
+          <p:cNvPicPr>
+            <a:picLocks noChangeAspect="1"/>
+          </p:cNvPicPr>
+          <p:nvPr/>
+        </p:nvPicPr>
+        <p:blipFill>
+          <a:blip r:embed="rId2">
+            <a:extLst>
+              <a:ext uri="{28A0092B-C50C-407E-A947-70E740481C1C}">
+                <a14:useLocalDpi xmlns:a14="http://schemas.microsoft.com/office/drawing/2010/main" val="0"/>
+              </a:ext>
+            </a:extLst>
+          </a:blip>
+          <a:stretch>
+            <a:fillRect/>
+          </a:stretch>
+        </p:blipFill>
+        <p:spPr>
+          <a:xfrm flipH="1">
+            <a:off x="2592309" y="76956"/>
+            <a:ext cx="751437" cy="751437"/>
+          </a:xfrm>
+          <a:prstGeom prst="rect">
+            <a:avLst/>
+          </a:prstGeom>
+        </p:spPr>
+      </p:pic>
+      <p:pic>
+        <p:nvPicPr>
+          <p:cNvPr id="27" name="Grafik 26" descr="Ein Bild, das Kreis, Farbigkeit, Geschirr enthält.&#10;&#10;Automatisch generierte Beschreibung">
+            <a:extLst>
+              <a:ext uri="{FF2B5EF4-FFF2-40B4-BE49-F238E27FC236}">
+                <a16:creationId xmlns:a16="http://schemas.microsoft.com/office/drawing/2014/main" id="{85AE4673-DEAE-3538-C0B5-07CCC84B98C2}"/>
+              </a:ext>
+            </a:extLst>
+          </p:cNvPr>
+          <p:cNvPicPr>
+            <a:picLocks noChangeAspect="1"/>
+          </p:cNvPicPr>
+          <p:nvPr/>
+        </p:nvPicPr>
+        <p:blipFill>
+          <a:blip r:embed="rId2">
+            <a:extLst>
+              <a:ext uri="{28A0092B-C50C-407E-A947-70E740481C1C}">
+                <a14:useLocalDpi xmlns:a14="http://schemas.microsoft.com/office/drawing/2010/main" val="0"/>
+              </a:ext>
+            </a:extLst>
+          </a:blip>
+          <a:stretch>
+            <a:fillRect/>
+          </a:stretch>
+        </p:blipFill>
+        <p:spPr>
+          <a:xfrm flipH="1">
+            <a:off x="3343746" y="932508"/>
+            <a:ext cx="751437" cy="751437"/>
+          </a:xfrm>
+          <a:prstGeom prst="rect">
+            <a:avLst/>
+          </a:prstGeom>
+        </p:spPr>
+      </p:pic>
+      <p:sp>
+        <p:nvSpPr>
+          <p:cNvPr id="29" name="Textfeld 28">
+            <a:extLst>
+              <a:ext uri="{FF2B5EF4-FFF2-40B4-BE49-F238E27FC236}">
+                <a16:creationId xmlns:a16="http://schemas.microsoft.com/office/drawing/2014/main" id="{672A9ECC-EF92-252A-0F64-B3390B66734F}"/>
+              </a:ext>
+            </a:extLst>
+          </p:cNvPr>
+          <p:cNvSpPr txBox="1"/>
+          <p:nvPr/>
+        </p:nvSpPr>
+        <p:spPr>
+          <a:xfrm>
+            <a:off x="-9055" y="243866"/>
+            <a:ext cx="1351984" cy="369332"/>
+          </a:xfrm>
+          <a:prstGeom prst="rect">
+            <a:avLst/>
+          </a:prstGeom>
+          <a:noFill/>
+        </p:spPr>
+        <p:txBody>
+          <a:bodyPr wrap="square" rtlCol="0">
+            <a:spAutoFit/>
+          </a:bodyPr>
+          <a:lstStyle/>
+          <a:p>
+            <a:r>
+              <a:rPr lang="de-DE" dirty="0"/>
+              <a:t>Reihe 0</a:t>
+            </a:r>
+          </a:p>
+        </p:txBody>
+      </p:sp>
+      <p:sp>
+        <p:nvSpPr>
+          <p:cNvPr id="31" name="Textfeld 30">
+            <a:extLst>
+              <a:ext uri="{FF2B5EF4-FFF2-40B4-BE49-F238E27FC236}">
+                <a16:creationId xmlns:a16="http://schemas.microsoft.com/office/drawing/2014/main" id="{C7CD3D7D-D0A0-2BAA-CA2D-C40887E70F40}"/>
+              </a:ext>
+            </a:extLst>
+          </p:cNvPr>
+          <p:cNvSpPr txBox="1"/>
+          <p:nvPr/>
+        </p:nvSpPr>
+        <p:spPr>
+          <a:xfrm>
+            <a:off x="923455" y="3890150"/>
+            <a:ext cx="1351984" cy="369332"/>
+          </a:xfrm>
+          <a:prstGeom prst="rect">
+            <a:avLst/>
+          </a:prstGeom>
+          <a:noFill/>
+        </p:spPr>
+        <p:txBody>
+          <a:bodyPr wrap="square" rtlCol="0">
+            <a:spAutoFit/>
+          </a:bodyPr>
+          <a:lstStyle/>
+          <a:p>
+            <a:r>
+              <a:rPr lang="de-DE" dirty="0"/>
+              <a:t>Spalte 0</a:t>
+            </a:r>
+          </a:p>
+        </p:txBody>
+      </p:sp>
+      <p:sp>
+        <p:nvSpPr>
+          <p:cNvPr id="33" name="Textfeld 32">
+            <a:extLst>
+              <a:ext uri="{FF2B5EF4-FFF2-40B4-BE49-F238E27FC236}">
+                <a16:creationId xmlns:a16="http://schemas.microsoft.com/office/drawing/2014/main" id="{B35E25CE-313E-7A51-A776-3FA60DA5584D}"/>
+              </a:ext>
+            </a:extLst>
+          </p:cNvPr>
+          <p:cNvSpPr txBox="1"/>
+          <p:nvPr/>
+        </p:nvSpPr>
+        <p:spPr>
+          <a:xfrm>
+            <a:off x="1637168" y="4320538"/>
+            <a:ext cx="1351984" cy="369332"/>
+          </a:xfrm>
+          <a:prstGeom prst="rect">
+            <a:avLst/>
+          </a:prstGeom>
+          <a:noFill/>
+        </p:spPr>
+        <p:txBody>
+          <a:bodyPr wrap="square" rtlCol="0">
+            <a:spAutoFit/>
+          </a:bodyPr>
+          <a:lstStyle/>
+          <a:p>
+            <a:r>
+              <a:rPr lang="de-DE" dirty="0"/>
+              <a:t>Spalte 1</a:t>
+            </a:r>
+          </a:p>
+        </p:txBody>
+      </p:sp>
+      <p:sp>
+        <p:nvSpPr>
+          <p:cNvPr id="34" name="Textfeld 33">
+            <a:extLst>
+              <a:ext uri="{FF2B5EF4-FFF2-40B4-BE49-F238E27FC236}">
+                <a16:creationId xmlns:a16="http://schemas.microsoft.com/office/drawing/2014/main" id="{FE5174C9-0EE9-6808-C119-6B56153B4427}"/>
+              </a:ext>
+            </a:extLst>
+          </p:cNvPr>
+          <p:cNvSpPr txBox="1"/>
+          <p:nvPr/>
+        </p:nvSpPr>
+        <p:spPr>
+          <a:xfrm>
+            <a:off x="2447454" y="3890150"/>
+            <a:ext cx="1351984" cy="369332"/>
+          </a:xfrm>
+          <a:prstGeom prst="rect">
+            <a:avLst/>
+          </a:prstGeom>
+          <a:noFill/>
+        </p:spPr>
+        <p:txBody>
+          <a:bodyPr wrap="square" rtlCol="0">
+            <a:spAutoFit/>
+          </a:bodyPr>
+          <a:lstStyle/>
+          <a:p>
+            <a:r>
+              <a:rPr lang="de-DE" dirty="0"/>
+              <a:t>Spalte 2</a:t>
+            </a:r>
+          </a:p>
+        </p:txBody>
+      </p:sp>
+      <p:sp>
+        <p:nvSpPr>
+          <p:cNvPr id="35" name="Textfeld 34">
+            <a:extLst>
+              <a:ext uri="{FF2B5EF4-FFF2-40B4-BE49-F238E27FC236}">
+                <a16:creationId xmlns:a16="http://schemas.microsoft.com/office/drawing/2014/main" id="{C5F0DE67-835D-B479-87A9-0A51868BCBD7}"/>
+              </a:ext>
+            </a:extLst>
+          </p:cNvPr>
+          <p:cNvSpPr txBox="1"/>
+          <p:nvPr/>
+        </p:nvSpPr>
+        <p:spPr>
+          <a:xfrm>
+            <a:off x="152400" y="1101188"/>
+            <a:ext cx="1351984" cy="369332"/>
+          </a:xfrm>
+          <a:prstGeom prst="rect">
+            <a:avLst/>
+          </a:prstGeom>
+          <a:noFill/>
+        </p:spPr>
+        <p:txBody>
+          <a:bodyPr wrap="square" rtlCol="0">
+            <a:spAutoFit/>
+          </a:bodyPr>
+          <a:lstStyle/>
+          <a:p>
+            <a:r>
+              <a:rPr lang="de-DE" dirty="0"/>
+              <a:t>Reihe 1</a:t>
+            </a:r>
+          </a:p>
+        </p:txBody>
+      </p:sp>
+      <p:sp>
+        <p:nvSpPr>
+          <p:cNvPr id="36" name="Textfeld 35">
+            <a:extLst>
+              <a:ext uri="{FF2B5EF4-FFF2-40B4-BE49-F238E27FC236}">
+                <a16:creationId xmlns:a16="http://schemas.microsoft.com/office/drawing/2014/main" id="{BC32CF1A-9C1B-6AB1-6FC1-6DD13B8BBE51}"/>
+              </a:ext>
+            </a:extLst>
+          </p:cNvPr>
+          <p:cNvSpPr txBox="1"/>
+          <p:nvPr/>
+        </p:nvSpPr>
+        <p:spPr>
+          <a:xfrm>
+            <a:off x="3223788" y="4320538"/>
+            <a:ext cx="1351984" cy="369332"/>
+          </a:xfrm>
+          <a:prstGeom prst="rect">
+            <a:avLst/>
+          </a:prstGeom>
+          <a:noFill/>
+        </p:spPr>
+        <p:txBody>
+          <a:bodyPr wrap="square" rtlCol="0">
+            <a:spAutoFit/>
+          </a:bodyPr>
+          <a:lstStyle/>
+          <a:p>
+            <a:r>
+              <a:rPr lang="de-DE" dirty="0"/>
+              <a:t>Spalte 3</a:t>
+            </a:r>
+          </a:p>
+        </p:txBody>
+      </p:sp>
+      <p:sp>
+        <p:nvSpPr>
+          <p:cNvPr id="37" name="Textfeld 36">
+            <a:extLst>
+              <a:ext uri="{FF2B5EF4-FFF2-40B4-BE49-F238E27FC236}">
+                <a16:creationId xmlns:a16="http://schemas.microsoft.com/office/drawing/2014/main" id="{2C98581A-4309-39D0-C46B-8E27032E9452}"/>
+              </a:ext>
+            </a:extLst>
+          </p:cNvPr>
+          <p:cNvSpPr txBox="1"/>
+          <p:nvPr/>
+        </p:nvSpPr>
+        <p:spPr>
+          <a:xfrm>
+            <a:off x="7111497" y="3767435"/>
+            <a:ext cx="1351984" cy="369332"/>
+          </a:xfrm>
+          <a:prstGeom prst="rect">
+            <a:avLst/>
+          </a:prstGeom>
+          <a:noFill/>
+        </p:spPr>
+        <p:txBody>
+          <a:bodyPr wrap="square" rtlCol="0">
+            <a:spAutoFit/>
+          </a:bodyPr>
+          <a:lstStyle/>
+          <a:p>
+            <a:r>
+              <a:rPr lang="de-DE" dirty="0"/>
+              <a:t>Spalte 30</a:t>
+            </a:r>
+          </a:p>
+        </p:txBody>
+      </p:sp>
+      <p:sp>
+        <p:nvSpPr>
+          <p:cNvPr id="38" name="Textfeld 37">
+            <a:extLst>
+              <a:ext uri="{FF2B5EF4-FFF2-40B4-BE49-F238E27FC236}">
+                <a16:creationId xmlns:a16="http://schemas.microsoft.com/office/drawing/2014/main" id="{C65A405B-53D4-7B88-B19A-D4EEBE56101B}"/>
+              </a:ext>
+            </a:extLst>
+          </p:cNvPr>
+          <p:cNvSpPr txBox="1"/>
+          <p:nvPr/>
+        </p:nvSpPr>
+        <p:spPr>
+          <a:xfrm>
+            <a:off x="6283106" y="4259482"/>
+            <a:ext cx="1351984" cy="369332"/>
+          </a:xfrm>
+          <a:prstGeom prst="rect">
+            <a:avLst/>
+          </a:prstGeom>
+          <a:noFill/>
+        </p:spPr>
+        <p:txBody>
+          <a:bodyPr wrap="square" rtlCol="0">
+            <a:spAutoFit/>
+          </a:bodyPr>
+          <a:lstStyle/>
+          <a:p>
+            <a:r>
+              <a:rPr lang="de-DE" dirty="0"/>
+              <a:t>Spalte 29</a:t>
+            </a:r>
+          </a:p>
+        </p:txBody>
+      </p:sp>
+      <p:cxnSp>
+        <p:nvCxnSpPr>
+          <p:cNvPr id="39" name="Gerader Verbinder 38">
+            <a:extLst>
+              <a:ext uri="{FF2B5EF4-FFF2-40B4-BE49-F238E27FC236}">
+                <a16:creationId xmlns:a16="http://schemas.microsoft.com/office/drawing/2014/main" id="{27428EFA-097A-B2EA-CA75-3CD16D5A0EAD}"/>
+              </a:ext>
+            </a:extLst>
+          </p:cNvPr>
+          <p:cNvCxnSpPr/>
+          <p:nvPr/>
+        </p:nvCxnSpPr>
+        <p:spPr>
+          <a:xfrm>
+            <a:off x="7601893" y="-5772"/>
+            <a:ext cx="0" cy="4553893"/>
+          </a:xfrm>
+          <a:prstGeom prst="line">
+            <a:avLst/>
+          </a:prstGeom>
+        </p:spPr>
+        <p:style>
+          <a:lnRef idx="2">
+            <a:schemeClr val="accent2"/>
+          </a:lnRef>
+          <a:fillRef idx="0">
+            <a:schemeClr val="accent2"/>
+          </a:fillRef>
+          <a:effectRef idx="1">
+            <a:schemeClr val="accent2"/>
+          </a:effectRef>
+          <a:fontRef idx="minor">
+            <a:schemeClr val="tx1"/>
+          </a:fontRef>
+        </p:style>
+      </p:cxnSp>
+      <p:pic>
+        <p:nvPicPr>
+          <p:cNvPr id="2" name="Grafik 1" descr="Ein Bild, das Kreis, Farbigkeit, Geschirr enthält.&#10;&#10;Automatisch generierte Beschreibung">
+            <a:extLst>
+              <a:ext uri="{FF2B5EF4-FFF2-40B4-BE49-F238E27FC236}">
+                <a16:creationId xmlns:a16="http://schemas.microsoft.com/office/drawing/2014/main" id="{18BE3952-ACDC-039E-668D-82D001D5F637}"/>
+              </a:ext>
+            </a:extLst>
+          </p:cNvPr>
+          <p:cNvPicPr>
+            <a:picLocks noChangeAspect="1"/>
+          </p:cNvPicPr>
+          <p:nvPr/>
+        </p:nvPicPr>
+        <p:blipFill>
+          <a:blip r:embed="rId3">
+            <a:extLst>
+              <a:ext uri="{28A0092B-C50C-407E-A947-70E740481C1C}">
+                <a14:useLocalDpi xmlns:a14="http://schemas.microsoft.com/office/drawing/2010/main" val="0"/>
+              </a:ext>
+            </a:extLst>
+          </a:blip>
+          <a:stretch>
+            <a:fillRect/>
+          </a:stretch>
+        </p:blipFill>
+        <p:spPr>
+          <a:xfrm>
+            <a:off x="3342382" y="1826900"/>
+            <a:ext cx="751436" cy="751436"/>
+          </a:xfrm>
+          <a:prstGeom prst="rect">
+            <a:avLst/>
+          </a:prstGeom>
+        </p:spPr>
+      </p:pic>
+      <p:grpSp>
+        <p:nvGrpSpPr>
+          <p:cNvPr id="48" name="Gruppieren 47">
+            <a:extLst>
+              <a:ext uri="{FF2B5EF4-FFF2-40B4-BE49-F238E27FC236}">
+                <a16:creationId xmlns:a16="http://schemas.microsoft.com/office/drawing/2014/main" id="{A328DAEC-3B51-0320-E894-F5D0960F6782}"/>
+              </a:ext>
+            </a:extLst>
+          </p:cNvPr>
+          <p:cNvGrpSpPr/>
+          <p:nvPr/>
+        </p:nvGrpSpPr>
+        <p:grpSpPr>
+          <a:xfrm>
+            <a:off x="2603929" y="1838569"/>
+            <a:ext cx="4793400" cy="1487880"/>
+            <a:chOff x="2603929" y="1838569"/>
+            <a:chExt cx="4793400" cy="1487880"/>
+          </a:xfrm>
+        </p:grpSpPr>
+        <mc:AlternateContent xmlns:mc="http://schemas.openxmlformats.org/markup-compatibility/2006">
+          <mc:Choice xmlns:p14="http://schemas.microsoft.com/office/powerpoint/2010/main" Requires="p14">
+            <p:contentPart p14:bwMode="auto" r:id="rId4">
+              <p14:nvContentPartPr>
+                <p14:cNvPr id="3" name="Freihand 2">
+                  <a:extLst>
+                    <a:ext uri="{FF2B5EF4-FFF2-40B4-BE49-F238E27FC236}">
+                      <a16:creationId xmlns:a16="http://schemas.microsoft.com/office/drawing/2014/main" id="{B116198D-5BBC-B5C0-A364-252CBFE286C4}"/>
+                    </a:ext>
+                  </a:extLst>
+                </p14:cNvPr>
+                <p14:cNvContentPartPr/>
+                <p14:nvPr/>
+              </p14:nvContentPartPr>
+              <p14:xfrm>
+                <a:off x="4226449" y="1864489"/>
+                <a:ext cx="543600" cy="473760"/>
+              </p14:xfrm>
+            </p:contentPart>
+          </mc:Choice>
+          <mc:Fallback>
+            <p:pic>
+              <p:nvPicPr>
+                <p:cNvPr id="3" name="Freihand 2">
+                  <a:extLst>
+                    <a:ext uri="{FF2B5EF4-FFF2-40B4-BE49-F238E27FC236}">
+                      <a16:creationId xmlns:a16="http://schemas.microsoft.com/office/drawing/2014/main" id="{B116198D-5BBC-B5C0-A364-252CBFE286C4}"/>
+                    </a:ext>
+                  </a:extLst>
+                </p:cNvPr>
+                <p:cNvPicPr/>
+                <p:nvPr/>
+              </p:nvPicPr>
+              <p:blipFill>
+                <a:blip r:embed="rId5"/>
+                <a:stretch>
+                  <a:fillRect/>
+                </a:stretch>
+              </p:blipFill>
+              <p:spPr>
+                <a:xfrm>
+                  <a:off x="4217809" y="1855849"/>
+                  <a:ext cx="561240" cy="491400"/>
+                </a:xfrm>
+                <a:prstGeom prst="rect">
+                  <a:avLst/>
+                </a:prstGeom>
+              </p:spPr>
+            </p:pic>
+          </mc:Fallback>
+        </mc:AlternateContent>
+        <mc:AlternateContent xmlns:mc="http://schemas.openxmlformats.org/markup-compatibility/2006">
+          <mc:Choice xmlns:p14="http://schemas.microsoft.com/office/powerpoint/2010/main" Requires="p14">
+            <p:contentPart p14:bwMode="auto" r:id="rId6">
+              <p14:nvContentPartPr>
+                <p14:cNvPr id="4" name="Freihand 3">
+                  <a:extLst>
+                    <a:ext uri="{FF2B5EF4-FFF2-40B4-BE49-F238E27FC236}">
+                      <a16:creationId xmlns:a16="http://schemas.microsoft.com/office/drawing/2014/main" id="{77FEA683-F500-B747-9577-58802DF2509B}"/>
+                    </a:ext>
+                  </a:extLst>
+                </p14:cNvPr>
+                <p14:cNvContentPartPr/>
+                <p14:nvPr/>
+              </p14:nvContentPartPr>
+              <p14:xfrm>
+                <a:off x="2603929" y="1838569"/>
+                <a:ext cx="597240" cy="499680"/>
+              </p14:xfrm>
+            </p:contentPart>
+          </mc:Choice>
+          <mc:Fallback>
+            <p:pic>
+              <p:nvPicPr>
+                <p:cNvPr id="4" name="Freihand 3">
+                  <a:extLst>
+                    <a:ext uri="{FF2B5EF4-FFF2-40B4-BE49-F238E27FC236}">
+                      <a16:creationId xmlns:a16="http://schemas.microsoft.com/office/drawing/2014/main" id="{77FEA683-F500-B747-9577-58802DF2509B}"/>
+                    </a:ext>
+                  </a:extLst>
+                </p:cNvPr>
+                <p:cNvPicPr/>
+                <p:nvPr/>
+              </p:nvPicPr>
+              <p:blipFill>
+                <a:blip r:embed="rId7"/>
+                <a:stretch>
+                  <a:fillRect/>
+                </a:stretch>
+              </p:blipFill>
+              <p:spPr>
+                <a:xfrm>
+                  <a:off x="2595289" y="1829569"/>
+                  <a:ext cx="614880" cy="517320"/>
+                </a:xfrm>
+                <a:prstGeom prst="rect">
+                  <a:avLst/>
+                </a:prstGeom>
+              </p:spPr>
+            </p:pic>
+          </mc:Fallback>
+        </mc:AlternateContent>
+        <mc:AlternateContent xmlns:mc="http://schemas.openxmlformats.org/markup-compatibility/2006">
+          <mc:Choice xmlns:p14="http://schemas.microsoft.com/office/powerpoint/2010/main" Requires="p14">
+            <p:contentPart p14:bwMode="auto" r:id="rId8">
+              <p14:nvContentPartPr>
+                <p14:cNvPr id="6" name="Freihand 5">
+                  <a:extLst>
+                    <a:ext uri="{FF2B5EF4-FFF2-40B4-BE49-F238E27FC236}">
+                      <a16:creationId xmlns:a16="http://schemas.microsoft.com/office/drawing/2014/main" id="{1C1392EE-B70F-CF49-4072-7204D4E11CDA}"/>
+                    </a:ext>
+                  </a:extLst>
+                </p14:cNvPr>
+                <p14:cNvContentPartPr/>
+                <p14:nvPr/>
+              </p14:nvContentPartPr>
+              <p14:xfrm>
+                <a:off x="2959609" y="2466769"/>
+                <a:ext cx="500040" cy="191880"/>
+              </p14:xfrm>
+            </p:contentPart>
+          </mc:Choice>
+          <mc:Fallback>
+            <p:pic>
+              <p:nvPicPr>
+                <p:cNvPr id="6" name="Freihand 5">
+                  <a:extLst>
+                    <a:ext uri="{FF2B5EF4-FFF2-40B4-BE49-F238E27FC236}">
+                      <a16:creationId xmlns:a16="http://schemas.microsoft.com/office/drawing/2014/main" id="{1C1392EE-B70F-CF49-4072-7204D4E11CDA}"/>
+                    </a:ext>
+                  </a:extLst>
+                </p:cNvPr>
+                <p:cNvPicPr/>
+                <p:nvPr/>
+              </p:nvPicPr>
+              <p:blipFill>
+                <a:blip r:embed="rId9"/>
+                <a:stretch>
+                  <a:fillRect/>
+                </a:stretch>
+              </p:blipFill>
+              <p:spPr>
+                <a:xfrm>
+                  <a:off x="2950969" y="2458129"/>
+                  <a:ext cx="517680" cy="209520"/>
+                </a:xfrm>
+                <a:prstGeom prst="rect">
+                  <a:avLst/>
+                </a:prstGeom>
+              </p:spPr>
+            </p:pic>
+          </mc:Fallback>
+        </mc:AlternateContent>
+        <mc:AlternateContent xmlns:mc="http://schemas.openxmlformats.org/markup-compatibility/2006">
+          <mc:Choice xmlns:p14="http://schemas.microsoft.com/office/powerpoint/2010/main" Requires="p14">
+            <p:contentPart p14:bwMode="auto" r:id="rId10">
+              <p14:nvContentPartPr>
+                <p14:cNvPr id="10" name="Freihand 9">
+                  <a:extLst>
+                    <a:ext uri="{FF2B5EF4-FFF2-40B4-BE49-F238E27FC236}">
+                      <a16:creationId xmlns:a16="http://schemas.microsoft.com/office/drawing/2014/main" id="{B9873B63-9BA7-3DBC-73C8-AC405A4093AD}"/>
+                    </a:ext>
+                  </a:extLst>
+                </p14:cNvPr>
+                <p14:cNvContentPartPr/>
+                <p14:nvPr/>
+              </p14:nvContentPartPr>
+              <p14:xfrm>
+                <a:off x="2902729" y="2412769"/>
+                <a:ext cx="195480" cy="138960"/>
+              </p14:xfrm>
+            </p:contentPart>
+          </mc:Choice>
+          <mc:Fallback>
+            <p:pic>
+              <p:nvPicPr>
+                <p:cNvPr id="10" name="Freihand 9">
+                  <a:extLst>
+                    <a:ext uri="{FF2B5EF4-FFF2-40B4-BE49-F238E27FC236}">
+                      <a16:creationId xmlns:a16="http://schemas.microsoft.com/office/drawing/2014/main" id="{B9873B63-9BA7-3DBC-73C8-AC405A4093AD}"/>
+                    </a:ext>
+                  </a:extLst>
+                </p:cNvPr>
+                <p:cNvPicPr/>
+                <p:nvPr/>
+              </p:nvPicPr>
+              <p:blipFill>
+                <a:blip r:embed="rId11"/>
+                <a:stretch>
+                  <a:fillRect/>
+                </a:stretch>
+              </p:blipFill>
+              <p:spPr>
+                <a:xfrm>
+                  <a:off x="2893729" y="2404129"/>
+                  <a:ext cx="213120" cy="156600"/>
+                </a:xfrm>
+                <a:prstGeom prst="rect">
+                  <a:avLst/>
+                </a:prstGeom>
+              </p:spPr>
+            </p:pic>
+          </mc:Fallback>
+        </mc:AlternateContent>
+        <mc:AlternateContent xmlns:mc="http://schemas.openxmlformats.org/markup-compatibility/2006">
+          <mc:Choice xmlns:p14="http://schemas.microsoft.com/office/powerpoint/2010/main" Requires="p14">
+            <p:contentPart p14:bwMode="auto" r:id="rId12">
+              <p14:nvContentPartPr>
+                <p14:cNvPr id="32" name="Freihand 31">
+                  <a:extLst>
+                    <a:ext uri="{FF2B5EF4-FFF2-40B4-BE49-F238E27FC236}">
+                      <a16:creationId xmlns:a16="http://schemas.microsoft.com/office/drawing/2014/main" id="{23265AEA-57B2-4AEA-F2A5-13E6AAEE9C82}"/>
+                    </a:ext>
+                  </a:extLst>
+                </p14:cNvPr>
+                <p14:cNvContentPartPr/>
+                <p14:nvPr/>
+              </p14:nvContentPartPr>
+              <p14:xfrm>
+                <a:off x="3768169" y="2446249"/>
+                <a:ext cx="550800" cy="407880"/>
+              </p14:xfrm>
+            </p:contentPart>
+          </mc:Choice>
+          <mc:Fallback>
+            <p:pic>
+              <p:nvPicPr>
+                <p:cNvPr id="32" name="Freihand 31">
+                  <a:extLst>
+                    <a:ext uri="{FF2B5EF4-FFF2-40B4-BE49-F238E27FC236}">
+                      <a16:creationId xmlns:a16="http://schemas.microsoft.com/office/drawing/2014/main" id="{23265AEA-57B2-4AEA-F2A5-13E6AAEE9C82}"/>
+                    </a:ext>
+                  </a:extLst>
+                </p:cNvPr>
+                <p:cNvPicPr/>
+                <p:nvPr/>
+              </p:nvPicPr>
+              <p:blipFill>
+                <a:blip r:embed="rId13"/>
+                <a:stretch>
+                  <a:fillRect/>
+                </a:stretch>
+              </p:blipFill>
+              <p:spPr>
+                <a:xfrm>
+                  <a:off x="3759529" y="2437249"/>
+                  <a:ext cx="568440" cy="425520"/>
+                </a:xfrm>
+                <a:prstGeom prst="rect">
+                  <a:avLst/>
+                </a:prstGeom>
+              </p:spPr>
+            </p:pic>
+          </mc:Fallback>
+        </mc:AlternateContent>
+        <mc:AlternateContent xmlns:mc="http://schemas.openxmlformats.org/markup-compatibility/2006">
+          <mc:Choice xmlns:p14="http://schemas.microsoft.com/office/powerpoint/2010/main" Requires="p14">
+            <p:contentPart p14:bwMode="auto" r:id="rId14">
+              <p14:nvContentPartPr>
+                <p14:cNvPr id="40" name="Freihand 39">
+                  <a:extLst>
+                    <a:ext uri="{FF2B5EF4-FFF2-40B4-BE49-F238E27FC236}">
+                      <a16:creationId xmlns:a16="http://schemas.microsoft.com/office/drawing/2014/main" id="{D7D739DD-2E24-2F26-1C8E-8567099BA27F}"/>
+                    </a:ext>
+                  </a:extLst>
+                </p14:cNvPr>
+                <p14:cNvContentPartPr/>
+                <p14:nvPr/>
+              </p14:nvContentPartPr>
+              <p14:xfrm>
+                <a:off x="4133209" y="2433649"/>
+                <a:ext cx="309960" cy="209160"/>
+              </p14:xfrm>
+            </p:contentPart>
+          </mc:Choice>
+          <mc:Fallback>
+            <p:pic>
+              <p:nvPicPr>
+                <p:cNvPr id="40" name="Freihand 39">
+                  <a:extLst>
+                    <a:ext uri="{FF2B5EF4-FFF2-40B4-BE49-F238E27FC236}">
+                      <a16:creationId xmlns:a16="http://schemas.microsoft.com/office/drawing/2014/main" id="{D7D739DD-2E24-2F26-1C8E-8567099BA27F}"/>
+                    </a:ext>
+                  </a:extLst>
+                </p:cNvPr>
+                <p:cNvPicPr/>
+                <p:nvPr/>
+              </p:nvPicPr>
+              <p:blipFill>
+                <a:blip r:embed="rId15"/>
+                <a:stretch>
+                  <a:fillRect/>
+                </a:stretch>
+              </p:blipFill>
+              <p:spPr>
+                <a:xfrm>
+                  <a:off x="4124209" y="2424649"/>
+                  <a:ext cx="327600" cy="226800"/>
+                </a:xfrm>
+                <a:prstGeom prst="rect">
+                  <a:avLst/>
+                </a:prstGeom>
+              </p:spPr>
+            </p:pic>
+          </mc:Fallback>
+        </mc:AlternateContent>
+        <mc:AlternateContent xmlns:mc="http://schemas.openxmlformats.org/markup-compatibility/2006">
+          <mc:Choice xmlns:p14="http://schemas.microsoft.com/office/powerpoint/2010/main" Requires="p14">
+            <p:contentPart p14:bwMode="auto" r:id="rId16">
+              <p14:nvContentPartPr>
+                <p14:cNvPr id="42" name="Freihand 41">
+                  <a:extLst>
+                    <a:ext uri="{FF2B5EF4-FFF2-40B4-BE49-F238E27FC236}">
+                      <a16:creationId xmlns:a16="http://schemas.microsoft.com/office/drawing/2014/main" id="{894B8E37-B6C4-D8E1-918A-274FF8C79A50}"/>
+                    </a:ext>
+                  </a:extLst>
+                </p14:cNvPr>
+                <p14:cNvContentPartPr/>
+                <p14:nvPr/>
+              </p14:nvContentPartPr>
+              <p14:xfrm>
+                <a:off x="4682929" y="2752969"/>
+                <a:ext cx="355320" cy="403200"/>
+              </p14:xfrm>
+            </p:contentPart>
+          </mc:Choice>
+          <mc:Fallback>
+            <p:pic>
+              <p:nvPicPr>
+                <p:cNvPr id="42" name="Freihand 41">
+                  <a:extLst>
+                    <a:ext uri="{FF2B5EF4-FFF2-40B4-BE49-F238E27FC236}">
+                      <a16:creationId xmlns:a16="http://schemas.microsoft.com/office/drawing/2014/main" id="{894B8E37-B6C4-D8E1-918A-274FF8C79A50}"/>
+                    </a:ext>
+                  </a:extLst>
+                </p:cNvPr>
+                <p:cNvPicPr/>
+                <p:nvPr/>
+              </p:nvPicPr>
+              <p:blipFill>
+                <a:blip r:embed="rId17"/>
+                <a:stretch>
+                  <a:fillRect/>
+                </a:stretch>
+              </p:blipFill>
+              <p:spPr>
+                <a:xfrm>
+                  <a:off x="4674289" y="2743969"/>
+                  <a:ext cx="372960" cy="420840"/>
+                </a:xfrm>
+                <a:prstGeom prst="rect">
+                  <a:avLst/>
+                </a:prstGeom>
+              </p:spPr>
+            </p:pic>
+          </mc:Fallback>
+        </mc:AlternateContent>
+        <mc:AlternateContent xmlns:mc="http://schemas.openxmlformats.org/markup-compatibility/2006">
+          <mc:Choice xmlns:p14="http://schemas.microsoft.com/office/powerpoint/2010/main" Requires="p14">
+            <p:contentPart p14:bwMode="auto" r:id="rId18">
+              <p14:nvContentPartPr>
+                <p14:cNvPr id="43" name="Freihand 42">
+                  <a:extLst>
+                    <a:ext uri="{FF2B5EF4-FFF2-40B4-BE49-F238E27FC236}">
+                      <a16:creationId xmlns:a16="http://schemas.microsoft.com/office/drawing/2014/main" id="{9C28E9CA-4C6A-4168-4024-2945C3A08DE7}"/>
+                    </a:ext>
+                  </a:extLst>
+                </p14:cNvPr>
+                <p14:cNvContentPartPr/>
+                <p14:nvPr/>
+              </p14:nvContentPartPr>
+              <p14:xfrm>
+                <a:off x="5201689" y="3042049"/>
+                <a:ext cx="281880" cy="122760"/>
+              </p14:xfrm>
+            </p:contentPart>
+          </mc:Choice>
+          <mc:Fallback>
+            <p:pic>
+              <p:nvPicPr>
+                <p:cNvPr id="43" name="Freihand 42">
+                  <a:extLst>
+                    <a:ext uri="{FF2B5EF4-FFF2-40B4-BE49-F238E27FC236}">
+                      <a16:creationId xmlns:a16="http://schemas.microsoft.com/office/drawing/2014/main" id="{9C28E9CA-4C6A-4168-4024-2945C3A08DE7}"/>
+                    </a:ext>
+                  </a:extLst>
+                </p:cNvPr>
+                <p:cNvPicPr/>
+                <p:nvPr/>
+              </p:nvPicPr>
+              <p:blipFill>
+                <a:blip r:embed="rId19"/>
+                <a:stretch>
+                  <a:fillRect/>
+                </a:stretch>
+              </p:blipFill>
+              <p:spPr>
+                <a:xfrm>
+                  <a:off x="5193049" y="3033049"/>
+                  <a:ext cx="299520" cy="140400"/>
+                </a:xfrm>
+                <a:prstGeom prst="rect">
+                  <a:avLst/>
+                </a:prstGeom>
+              </p:spPr>
+            </p:pic>
+          </mc:Fallback>
+        </mc:AlternateContent>
+        <mc:AlternateContent xmlns:mc="http://schemas.openxmlformats.org/markup-compatibility/2006">
+          <mc:Choice xmlns:p14="http://schemas.microsoft.com/office/powerpoint/2010/main" Requires="p14">
+            <p:contentPart p14:bwMode="auto" r:id="rId20">
+              <p14:nvContentPartPr>
+                <p14:cNvPr id="44" name="Freihand 43">
+                  <a:extLst>
+                    <a:ext uri="{FF2B5EF4-FFF2-40B4-BE49-F238E27FC236}">
+                      <a16:creationId xmlns:a16="http://schemas.microsoft.com/office/drawing/2014/main" id="{AE06FA2C-F2E8-6BE6-1264-257FCFFF5AB2}"/>
+                    </a:ext>
+                  </a:extLst>
+                </p14:cNvPr>
+                <p14:cNvContentPartPr/>
+                <p14:nvPr/>
+              </p14:nvContentPartPr>
+              <p14:xfrm>
+                <a:off x="5559889" y="3069409"/>
+                <a:ext cx="201600" cy="119520"/>
+              </p14:xfrm>
+            </p:contentPart>
+          </mc:Choice>
+          <mc:Fallback>
+            <p:pic>
+              <p:nvPicPr>
+                <p:cNvPr id="44" name="Freihand 43">
+                  <a:extLst>
+                    <a:ext uri="{FF2B5EF4-FFF2-40B4-BE49-F238E27FC236}">
+                      <a16:creationId xmlns:a16="http://schemas.microsoft.com/office/drawing/2014/main" id="{AE06FA2C-F2E8-6BE6-1264-257FCFFF5AB2}"/>
+                    </a:ext>
+                  </a:extLst>
+                </p:cNvPr>
+                <p:cNvPicPr/>
+                <p:nvPr/>
+              </p:nvPicPr>
+              <p:blipFill>
+                <a:blip r:embed="rId21"/>
+                <a:stretch>
+                  <a:fillRect/>
+                </a:stretch>
+              </p:blipFill>
+              <p:spPr>
+                <a:xfrm>
+                  <a:off x="5550889" y="3060409"/>
+                  <a:ext cx="219240" cy="137160"/>
+                </a:xfrm>
+                <a:prstGeom prst="rect">
+                  <a:avLst/>
+                </a:prstGeom>
+              </p:spPr>
+            </p:pic>
+          </mc:Fallback>
+        </mc:AlternateContent>
+        <mc:AlternateContent xmlns:mc="http://schemas.openxmlformats.org/markup-compatibility/2006">
+          <mc:Choice xmlns:p14="http://schemas.microsoft.com/office/powerpoint/2010/main" Requires="p14">
+            <p:contentPart p14:bwMode="auto" r:id="rId22">
+              <p14:nvContentPartPr>
+                <p14:cNvPr id="45" name="Freihand 44">
+                  <a:extLst>
+                    <a:ext uri="{FF2B5EF4-FFF2-40B4-BE49-F238E27FC236}">
+                      <a16:creationId xmlns:a16="http://schemas.microsoft.com/office/drawing/2014/main" id="{A54D3494-D440-0C00-97BC-BCB9DDCE6971}"/>
+                    </a:ext>
+                  </a:extLst>
+                </p14:cNvPr>
+                <p14:cNvContentPartPr/>
+                <p14:nvPr/>
+              </p14:nvContentPartPr>
+              <p14:xfrm>
+                <a:off x="5966689" y="2666569"/>
+                <a:ext cx="502560" cy="621000"/>
+              </p14:xfrm>
+            </p:contentPart>
+          </mc:Choice>
+          <mc:Fallback>
+            <p:pic>
+              <p:nvPicPr>
+                <p:cNvPr id="45" name="Freihand 44">
+                  <a:extLst>
+                    <a:ext uri="{FF2B5EF4-FFF2-40B4-BE49-F238E27FC236}">
+                      <a16:creationId xmlns:a16="http://schemas.microsoft.com/office/drawing/2014/main" id="{A54D3494-D440-0C00-97BC-BCB9DDCE6971}"/>
+                    </a:ext>
+                  </a:extLst>
+                </p:cNvPr>
+                <p:cNvPicPr/>
+                <p:nvPr/>
+              </p:nvPicPr>
+              <p:blipFill>
+                <a:blip r:embed="rId23"/>
+                <a:stretch>
+                  <a:fillRect/>
+                </a:stretch>
+              </p:blipFill>
+              <p:spPr>
+                <a:xfrm>
+                  <a:off x="5957689" y="2657569"/>
+                  <a:ext cx="520200" cy="638640"/>
+                </a:xfrm>
+                <a:prstGeom prst="rect">
+                  <a:avLst/>
+                </a:prstGeom>
+              </p:spPr>
+            </p:pic>
+          </mc:Fallback>
+        </mc:AlternateContent>
+        <mc:AlternateContent xmlns:mc="http://schemas.openxmlformats.org/markup-compatibility/2006">
+          <mc:Choice xmlns:p14="http://schemas.microsoft.com/office/powerpoint/2010/main" Requires="p14">
+            <p:contentPart p14:bwMode="auto" r:id="rId24">
+              <p14:nvContentPartPr>
+                <p14:cNvPr id="46" name="Freihand 45">
+                  <a:extLst>
+                    <a:ext uri="{FF2B5EF4-FFF2-40B4-BE49-F238E27FC236}">
+                      <a16:creationId xmlns:a16="http://schemas.microsoft.com/office/drawing/2014/main" id="{B1FB9DDC-9675-474D-A8D1-421BBD9F08CE}"/>
+                    </a:ext>
+                  </a:extLst>
+                </p14:cNvPr>
+                <p14:cNvContentPartPr/>
+                <p14:nvPr/>
+              </p14:nvContentPartPr>
+              <p14:xfrm>
+                <a:off x="6586969" y="2997769"/>
+                <a:ext cx="236520" cy="328680"/>
+              </p14:xfrm>
+            </p:contentPart>
+          </mc:Choice>
+          <mc:Fallback>
+            <p:pic>
+              <p:nvPicPr>
+                <p:cNvPr id="46" name="Freihand 45">
+                  <a:extLst>
+                    <a:ext uri="{FF2B5EF4-FFF2-40B4-BE49-F238E27FC236}">
+                      <a16:creationId xmlns:a16="http://schemas.microsoft.com/office/drawing/2014/main" id="{B1FB9DDC-9675-474D-A8D1-421BBD9F08CE}"/>
+                    </a:ext>
+                  </a:extLst>
+                </p:cNvPr>
+                <p:cNvPicPr/>
+                <p:nvPr/>
+              </p:nvPicPr>
+              <p:blipFill>
+                <a:blip r:embed="rId25"/>
+                <a:stretch>
+                  <a:fillRect/>
+                </a:stretch>
+              </p:blipFill>
+              <p:spPr>
+                <a:xfrm>
+                  <a:off x="6578329" y="2989129"/>
+                  <a:ext cx="254160" cy="346320"/>
+                </a:xfrm>
+                <a:prstGeom prst="rect">
+                  <a:avLst/>
+                </a:prstGeom>
+              </p:spPr>
+            </p:pic>
+          </mc:Fallback>
+        </mc:AlternateContent>
+        <mc:AlternateContent xmlns:mc="http://schemas.openxmlformats.org/markup-compatibility/2006">
+          <mc:Choice xmlns:p14="http://schemas.microsoft.com/office/powerpoint/2010/main" Requires="p14">
+            <p:contentPart p14:bwMode="auto" r:id="rId26">
+              <p14:nvContentPartPr>
+                <p14:cNvPr id="47" name="Freihand 46">
+                  <a:extLst>
+                    <a:ext uri="{FF2B5EF4-FFF2-40B4-BE49-F238E27FC236}">
+                      <a16:creationId xmlns:a16="http://schemas.microsoft.com/office/drawing/2014/main" id="{D1507518-5DF9-1D6D-3629-409BAD30A4FA}"/>
+                    </a:ext>
+                  </a:extLst>
+                </p14:cNvPr>
+                <p14:cNvContentPartPr/>
+                <p14:nvPr/>
+              </p14:nvContentPartPr>
+              <p14:xfrm>
+                <a:off x="6993049" y="3078769"/>
+                <a:ext cx="404280" cy="170640"/>
+              </p14:xfrm>
+            </p:contentPart>
+          </mc:Choice>
+          <mc:Fallback>
+            <p:pic>
+              <p:nvPicPr>
+                <p:cNvPr id="47" name="Freihand 46">
+                  <a:extLst>
+                    <a:ext uri="{FF2B5EF4-FFF2-40B4-BE49-F238E27FC236}">
+                      <a16:creationId xmlns:a16="http://schemas.microsoft.com/office/drawing/2014/main" id="{D1507518-5DF9-1D6D-3629-409BAD30A4FA}"/>
+                    </a:ext>
+                  </a:extLst>
+                </p:cNvPr>
+                <p:cNvPicPr/>
+                <p:nvPr/>
+              </p:nvPicPr>
+              <p:blipFill>
+                <a:blip r:embed="rId27"/>
+                <a:stretch>
+                  <a:fillRect/>
+                </a:stretch>
+              </p:blipFill>
+              <p:spPr>
+                <a:xfrm>
+                  <a:off x="6984409" y="3070129"/>
+                  <a:ext cx="421920" cy="188280"/>
+                </a:xfrm>
+                <a:prstGeom prst="rect">
+                  <a:avLst/>
+                </a:prstGeom>
+              </p:spPr>
+            </p:pic>
+          </mc:Fallback>
+        </mc:AlternateContent>
+      </p:grpSp>
+    </p:spTree>
+    <p:extLst>
+      <p:ext uri="{BB962C8B-B14F-4D97-AF65-F5344CB8AC3E}">
+        <p14:creationId xmlns:p14="http://schemas.microsoft.com/office/powerpoint/2010/main" val="2379999683"/>
       </p:ext>
     </p:extLst>
   </p:cSld>
